--- a/Презентация.pptx
+++ b/Презентация.pptx
@@ -16,94 +16,124 @@
     <a:defPPr>
       <a:defRPr lang="ru-RU"/>
     </a:defPPr>
-    <a:lvl1pPr marL="0" algn="l" defTabSz="914400" rtl="0" eaLnBrk="1" latinLnBrk="0" hangingPunct="1">
-      <a:defRPr sz="1800" kern="1200">
+    <a:lvl1pPr algn="l" rtl="0" fontAlgn="base">
+      <a:spcBef>
+        <a:spcPct val="0"/>
+      </a:spcBef>
+      <a:spcAft>
+        <a:spcPct val="0"/>
+      </a:spcAft>
+      <a:defRPr kern="1200">
         <a:solidFill>
           <a:schemeClr val="tx1"/>
         </a:solidFill>
-        <a:latin typeface="+mn-lt"/>
+        <a:latin typeface="Arial" charset="0"/>
         <a:ea typeface="+mn-ea"/>
-        <a:cs typeface="+mn-cs"/>
+        <a:cs typeface="Arial" charset="0"/>
       </a:defRPr>
     </a:lvl1pPr>
-    <a:lvl2pPr marL="457200" algn="l" defTabSz="914400" rtl="0" eaLnBrk="1" latinLnBrk="0" hangingPunct="1">
-      <a:defRPr sz="1800" kern="1200">
+    <a:lvl2pPr marL="457200" algn="l" rtl="0" fontAlgn="base">
+      <a:spcBef>
+        <a:spcPct val="0"/>
+      </a:spcBef>
+      <a:spcAft>
+        <a:spcPct val="0"/>
+      </a:spcAft>
+      <a:defRPr kern="1200">
         <a:solidFill>
           <a:schemeClr val="tx1"/>
         </a:solidFill>
-        <a:latin typeface="+mn-lt"/>
+        <a:latin typeface="Arial" charset="0"/>
         <a:ea typeface="+mn-ea"/>
-        <a:cs typeface="+mn-cs"/>
+        <a:cs typeface="Arial" charset="0"/>
       </a:defRPr>
     </a:lvl2pPr>
-    <a:lvl3pPr marL="914400" algn="l" defTabSz="914400" rtl="0" eaLnBrk="1" latinLnBrk="0" hangingPunct="1">
-      <a:defRPr sz="1800" kern="1200">
+    <a:lvl3pPr marL="914400" algn="l" rtl="0" fontAlgn="base">
+      <a:spcBef>
+        <a:spcPct val="0"/>
+      </a:spcBef>
+      <a:spcAft>
+        <a:spcPct val="0"/>
+      </a:spcAft>
+      <a:defRPr kern="1200">
         <a:solidFill>
           <a:schemeClr val="tx1"/>
         </a:solidFill>
-        <a:latin typeface="+mn-lt"/>
+        <a:latin typeface="Arial" charset="0"/>
         <a:ea typeface="+mn-ea"/>
-        <a:cs typeface="+mn-cs"/>
+        <a:cs typeface="Arial" charset="0"/>
       </a:defRPr>
     </a:lvl3pPr>
-    <a:lvl4pPr marL="1371600" algn="l" defTabSz="914400" rtl="0" eaLnBrk="1" latinLnBrk="0" hangingPunct="1">
-      <a:defRPr sz="1800" kern="1200">
+    <a:lvl4pPr marL="1371600" algn="l" rtl="0" fontAlgn="base">
+      <a:spcBef>
+        <a:spcPct val="0"/>
+      </a:spcBef>
+      <a:spcAft>
+        <a:spcPct val="0"/>
+      </a:spcAft>
+      <a:defRPr kern="1200">
         <a:solidFill>
           <a:schemeClr val="tx1"/>
         </a:solidFill>
-        <a:latin typeface="+mn-lt"/>
+        <a:latin typeface="Arial" charset="0"/>
         <a:ea typeface="+mn-ea"/>
-        <a:cs typeface="+mn-cs"/>
+        <a:cs typeface="Arial" charset="0"/>
       </a:defRPr>
     </a:lvl4pPr>
-    <a:lvl5pPr marL="1828800" algn="l" defTabSz="914400" rtl="0" eaLnBrk="1" latinLnBrk="0" hangingPunct="1">
-      <a:defRPr sz="1800" kern="1200">
+    <a:lvl5pPr marL="1828800" algn="l" rtl="0" fontAlgn="base">
+      <a:spcBef>
+        <a:spcPct val="0"/>
+      </a:spcBef>
+      <a:spcAft>
+        <a:spcPct val="0"/>
+      </a:spcAft>
+      <a:defRPr kern="1200">
         <a:solidFill>
           <a:schemeClr val="tx1"/>
         </a:solidFill>
-        <a:latin typeface="+mn-lt"/>
+        <a:latin typeface="Arial" charset="0"/>
         <a:ea typeface="+mn-ea"/>
-        <a:cs typeface="+mn-cs"/>
+        <a:cs typeface="Arial" charset="0"/>
       </a:defRPr>
     </a:lvl5pPr>
     <a:lvl6pPr marL="2286000" algn="l" defTabSz="914400" rtl="0" eaLnBrk="1" latinLnBrk="0" hangingPunct="1">
-      <a:defRPr sz="1800" kern="1200">
+      <a:defRPr kern="1200">
         <a:solidFill>
           <a:schemeClr val="tx1"/>
         </a:solidFill>
-        <a:latin typeface="+mn-lt"/>
+        <a:latin typeface="Arial" charset="0"/>
         <a:ea typeface="+mn-ea"/>
-        <a:cs typeface="+mn-cs"/>
+        <a:cs typeface="Arial" charset="0"/>
       </a:defRPr>
     </a:lvl6pPr>
     <a:lvl7pPr marL="2743200" algn="l" defTabSz="914400" rtl="0" eaLnBrk="1" latinLnBrk="0" hangingPunct="1">
-      <a:defRPr sz="1800" kern="1200">
+      <a:defRPr kern="1200">
         <a:solidFill>
           <a:schemeClr val="tx1"/>
         </a:solidFill>
-        <a:latin typeface="+mn-lt"/>
+        <a:latin typeface="Arial" charset="0"/>
         <a:ea typeface="+mn-ea"/>
-        <a:cs typeface="+mn-cs"/>
+        <a:cs typeface="Arial" charset="0"/>
       </a:defRPr>
     </a:lvl7pPr>
     <a:lvl8pPr marL="3200400" algn="l" defTabSz="914400" rtl="0" eaLnBrk="1" latinLnBrk="0" hangingPunct="1">
-      <a:defRPr sz="1800" kern="1200">
+      <a:defRPr kern="1200">
         <a:solidFill>
           <a:schemeClr val="tx1"/>
         </a:solidFill>
-        <a:latin typeface="+mn-lt"/>
+        <a:latin typeface="Arial" charset="0"/>
         <a:ea typeface="+mn-ea"/>
-        <a:cs typeface="+mn-cs"/>
+        <a:cs typeface="Arial" charset="0"/>
       </a:defRPr>
     </a:lvl8pPr>
     <a:lvl9pPr marL="3657600" algn="l" defTabSz="914400" rtl="0" eaLnBrk="1" latinLnBrk="0" hangingPunct="1">
-      <a:defRPr sz="1800" kern="1200">
+      <a:defRPr kern="1200">
         <a:solidFill>
           <a:schemeClr val="tx1"/>
         </a:solidFill>
-        <a:latin typeface="+mn-lt"/>
+        <a:latin typeface="Arial" charset="0"/>
         <a:ea typeface="+mn-ea"/>
-        <a:cs typeface="+mn-cs"/>
+        <a:cs typeface="Arial" charset="0"/>
       </a:defRPr>
     </a:lvl9pPr>
   </p:defaultTextStyle>
@@ -131,9 +161,7 @@
         <p:nvSpPr>
           <p:cNvPr id="2" name="Заголовок 1">
             <a:extLst>
-              <a:ext uri="{FF2B5EF4-FFF2-40B4-BE49-F238E27FC236}">
-                <a16:creationId xmlns:a16="http://schemas.microsoft.com/office/drawing/2014/main" xmlns="" id="{7DA4A31D-9924-5743-9598-6011B08CEB59}"/>
-              </a:ext>
+              <a:ext uri="{FF2B5EF4-FFF2-40B4-BE49-F238E27FC236}"/>
             </a:extLst>
           </p:cNvPr>
           <p:cNvSpPr>
@@ -168,9 +196,7 @@
         <p:nvSpPr>
           <p:cNvPr id="3" name="Подзаголовок 2">
             <a:extLst>
-              <a:ext uri="{FF2B5EF4-FFF2-40B4-BE49-F238E27FC236}">
-                <a16:creationId xmlns:a16="http://schemas.microsoft.com/office/drawing/2014/main" xmlns="" id="{929F1B7D-8533-9D42-94C8-B83085F14E93}"/>
-              </a:ext>
+              <a:ext uri="{FF2B5EF4-FFF2-40B4-BE49-F238E27FC236}"/>
             </a:extLst>
           </p:cNvPr>
           <p:cNvSpPr>
@@ -238,9 +264,7 @@
         <p:nvSpPr>
           <p:cNvPr id="4" name="Дата 3">
             <a:extLst>
-              <a:ext uri="{FF2B5EF4-FFF2-40B4-BE49-F238E27FC236}">
-                <a16:creationId xmlns:a16="http://schemas.microsoft.com/office/drawing/2014/main" xmlns="" id="{F58BDDAF-0402-574C-AB3E-0FBEAD3CC366}"/>
-              </a:ext>
+              <a:ext uri="{FF2B5EF4-FFF2-40B4-BE49-F238E27FC236}"/>
             </a:extLst>
           </p:cNvPr>
           <p:cNvSpPr>
@@ -253,12 +277,21 @@
         <p:spPr/>
         <p:txBody>
           <a:bodyPr/>
-          <a:lstStyle/>
-          <a:p>
-            <a:fld id="{63466F1A-B5E1-5547-8E23-9EC41017B7BA}" type="datetimeFigureOut">
-              <a:rPr lang="ru-RU" smtClean="0"/>
-              <a:pPr/>
-              <a:t>08.02.2023</a:t>
+          <a:lstStyle>
+            <a:lvl1pPr>
+              <a:defRPr/>
+            </a:lvl1pPr>
+          </a:lstStyle>
+          <a:p>
+            <a:pPr>
+              <a:defRPr/>
+            </a:pPr>
+            <a:fld id="{D4C92B91-6DC8-44A4-835C-13B64C90D2FA}" type="datetimeFigureOut">
+              <a:rPr lang="ru-RU"/>
+              <a:pPr>
+                <a:defRPr/>
+              </a:pPr>
+              <a:t>19.04.2023</a:t>
             </a:fld>
             <a:endParaRPr lang="ru-RU"/>
           </a:p>
@@ -268,9 +301,7 @@
         <p:nvSpPr>
           <p:cNvPr id="5" name="Нижний колонтитул 4">
             <a:extLst>
-              <a:ext uri="{FF2B5EF4-FFF2-40B4-BE49-F238E27FC236}">
-                <a16:creationId xmlns:a16="http://schemas.microsoft.com/office/drawing/2014/main" xmlns="" id="{F3A46128-9BFF-CC4E-97C4-05D5E351D718}"/>
-              </a:ext>
+              <a:ext uri="{FF2B5EF4-FFF2-40B4-BE49-F238E27FC236}"/>
             </a:extLst>
           </p:cNvPr>
           <p:cNvSpPr>
@@ -283,8 +314,15 @@
         <p:spPr/>
         <p:txBody>
           <a:bodyPr/>
-          <a:lstStyle/>
-          <a:p>
+          <a:lstStyle>
+            <a:lvl1pPr>
+              <a:defRPr/>
+            </a:lvl1pPr>
+          </a:lstStyle>
+          <a:p>
+            <a:pPr>
+              <a:defRPr/>
+            </a:pPr>
             <a:endParaRPr lang="ru-RU"/>
           </a:p>
         </p:txBody>
@@ -293,9 +331,7 @@
         <p:nvSpPr>
           <p:cNvPr id="6" name="Номер слайда 5">
             <a:extLst>
-              <a:ext uri="{FF2B5EF4-FFF2-40B4-BE49-F238E27FC236}">
-                <a16:creationId xmlns:a16="http://schemas.microsoft.com/office/drawing/2014/main" xmlns="" id="{D50499E6-2FD8-CF4D-84D9-422923742760}"/>
-              </a:ext>
+              <a:ext uri="{FF2B5EF4-FFF2-40B4-BE49-F238E27FC236}"/>
             </a:extLst>
           </p:cNvPr>
           <p:cNvSpPr>
@@ -308,11 +344,20 @@
         <p:spPr/>
         <p:txBody>
           <a:bodyPr/>
-          <a:lstStyle/>
-          <a:p>
-            <a:fld id="{6C2C5400-2097-1E44-88B8-0B7EF6723804}" type="slidenum">
-              <a:rPr lang="ru-RU" smtClean="0"/>
-              <a:pPr/>
+          <a:lstStyle>
+            <a:lvl1pPr>
+              <a:defRPr/>
+            </a:lvl1pPr>
+          </a:lstStyle>
+          <a:p>
+            <a:pPr>
+              <a:defRPr/>
+            </a:pPr>
+            <a:fld id="{DA55DCA2-0B6D-4A14-A60D-556684FABE7B}" type="slidenum">
+              <a:rPr lang="ru-RU"/>
+              <a:pPr>
+                <a:defRPr/>
+              </a:pPr>
               <a:t>‹#›</a:t>
             </a:fld>
             <a:endParaRPr lang="ru-RU"/>
@@ -320,11 +365,6 @@
         </p:txBody>
       </p:sp>
     </p:spTree>
-    <p:extLst>
-      <p:ext uri="{BB962C8B-B14F-4D97-AF65-F5344CB8AC3E}">
-        <p14:creationId xmlns:p14="http://schemas.microsoft.com/office/powerpoint/2010/main" xmlns="" val="3525888882"/>
-      </p:ext>
-    </p:extLst>
   </p:cSld>
   <p:clrMapOvr>
     <a:masterClrMapping/>
@@ -353,9 +393,7 @@
         <p:nvSpPr>
           <p:cNvPr id="2" name="Заголовок 1">
             <a:extLst>
-              <a:ext uri="{FF2B5EF4-FFF2-40B4-BE49-F238E27FC236}">
-                <a16:creationId xmlns:a16="http://schemas.microsoft.com/office/drawing/2014/main" xmlns="" id="{6BD368FC-B441-A04D-83BC-67D934826CB0}"/>
-              </a:ext>
+              <a:ext uri="{FF2B5EF4-FFF2-40B4-BE49-F238E27FC236}"/>
             </a:extLst>
           </p:cNvPr>
           <p:cNvSpPr>
@@ -381,9 +419,7 @@
         <p:nvSpPr>
           <p:cNvPr id="3" name="Вертикальный текст 2">
             <a:extLst>
-              <a:ext uri="{FF2B5EF4-FFF2-40B4-BE49-F238E27FC236}">
-                <a16:creationId xmlns:a16="http://schemas.microsoft.com/office/drawing/2014/main" xmlns="" id="{A22148FC-FE1E-9945-943D-E31122FC7517}"/>
-              </a:ext>
+              <a:ext uri="{FF2B5EF4-FFF2-40B4-BE49-F238E27FC236}"/>
             </a:extLst>
           </p:cNvPr>
           <p:cNvSpPr>
@@ -438,9 +474,7 @@
         <p:nvSpPr>
           <p:cNvPr id="4" name="Дата 3">
             <a:extLst>
-              <a:ext uri="{FF2B5EF4-FFF2-40B4-BE49-F238E27FC236}">
-                <a16:creationId xmlns:a16="http://schemas.microsoft.com/office/drawing/2014/main" xmlns="" id="{863D3570-D444-2D4E-928B-200A6C61F1EA}"/>
-              </a:ext>
+              <a:ext uri="{FF2B5EF4-FFF2-40B4-BE49-F238E27FC236}"/>
             </a:extLst>
           </p:cNvPr>
           <p:cNvSpPr>
@@ -453,12 +487,21 @@
         <p:spPr/>
         <p:txBody>
           <a:bodyPr/>
-          <a:lstStyle/>
-          <a:p>
-            <a:fld id="{63466F1A-B5E1-5547-8E23-9EC41017B7BA}" type="datetimeFigureOut">
-              <a:rPr lang="ru-RU" smtClean="0"/>
-              <a:pPr/>
-              <a:t>08.02.2023</a:t>
+          <a:lstStyle>
+            <a:lvl1pPr>
+              <a:defRPr/>
+            </a:lvl1pPr>
+          </a:lstStyle>
+          <a:p>
+            <a:pPr>
+              <a:defRPr/>
+            </a:pPr>
+            <a:fld id="{A88BE566-B7AE-4A07-B870-4EC0F90DD05C}" type="datetimeFigureOut">
+              <a:rPr lang="ru-RU"/>
+              <a:pPr>
+                <a:defRPr/>
+              </a:pPr>
+              <a:t>19.04.2023</a:t>
             </a:fld>
             <a:endParaRPr lang="ru-RU"/>
           </a:p>
@@ -468,9 +511,7 @@
         <p:nvSpPr>
           <p:cNvPr id="5" name="Нижний колонтитул 4">
             <a:extLst>
-              <a:ext uri="{FF2B5EF4-FFF2-40B4-BE49-F238E27FC236}">
-                <a16:creationId xmlns:a16="http://schemas.microsoft.com/office/drawing/2014/main" xmlns="" id="{C2710391-F55C-1B43-9FE2-C35B1BEF0241}"/>
-              </a:ext>
+              <a:ext uri="{FF2B5EF4-FFF2-40B4-BE49-F238E27FC236}"/>
             </a:extLst>
           </p:cNvPr>
           <p:cNvSpPr>
@@ -483,8 +524,15 @@
         <p:spPr/>
         <p:txBody>
           <a:bodyPr/>
-          <a:lstStyle/>
-          <a:p>
+          <a:lstStyle>
+            <a:lvl1pPr>
+              <a:defRPr/>
+            </a:lvl1pPr>
+          </a:lstStyle>
+          <a:p>
+            <a:pPr>
+              <a:defRPr/>
+            </a:pPr>
             <a:endParaRPr lang="ru-RU"/>
           </a:p>
         </p:txBody>
@@ -493,9 +541,7 @@
         <p:nvSpPr>
           <p:cNvPr id="6" name="Номер слайда 5">
             <a:extLst>
-              <a:ext uri="{FF2B5EF4-FFF2-40B4-BE49-F238E27FC236}">
-                <a16:creationId xmlns:a16="http://schemas.microsoft.com/office/drawing/2014/main" xmlns="" id="{5D9CBCC6-E59F-5A4E-B502-0D7E456F8A6F}"/>
-              </a:ext>
+              <a:ext uri="{FF2B5EF4-FFF2-40B4-BE49-F238E27FC236}"/>
             </a:extLst>
           </p:cNvPr>
           <p:cNvSpPr>
@@ -508,11 +554,20 @@
         <p:spPr/>
         <p:txBody>
           <a:bodyPr/>
-          <a:lstStyle/>
-          <a:p>
-            <a:fld id="{6C2C5400-2097-1E44-88B8-0B7EF6723804}" type="slidenum">
-              <a:rPr lang="ru-RU" smtClean="0"/>
-              <a:pPr/>
+          <a:lstStyle>
+            <a:lvl1pPr>
+              <a:defRPr/>
+            </a:lvl1pPr>
+          </a:lstStyle>
+          <a:p>
+            <a:pPr>
+              <a:defRPr/>
+            </a:pPr>
+            <a:fld id="{9D7EFD46-05BE-4FE0-8B3C-E0EAA3AB2F7C}" type="slidenum">
+              <a:rPr lang="ru-RU"/>
+              <a:pPr>
+                <a:defRPr/>
+              </a:pPr>
               <a:t>‹#›</a:t>
             </a:fld>
             <a:endParaRPr lang="ru-RU"/>
@@ -520,11 +575,6 @@
         </p:txBody>
       </p:sp>
     </p:spTree>
-    <p:extLst>
-      <p:ext uri="{BB962C8B-B14F-4D97-AF65-F5344CB8AC3E}">
-        <p14:creationId xmlns:p14="http://schemas.microsoft.com/office/powerpoint/2010/main" xmlns="" val="703988418"/>
-      </p:ext>
-    </p:extLst>
   </p:cSld>
   <p:clrMapOvr>
     <a:masterClrMapping/>
@@ -553,9 +603,7 @@
         <p:nvSpPr>
           <p:cNvPr id="2" name="Вертикальный заголовок 1">
             <a:extLst>
-              <a:ext uri="{FF2B5EF4-FFF2-40B4-BE49-F238E27FC236}">
-                <a16:creationId xmlns:a16="http://schemas.microsoft.com/office/drawing/2014/main" xmlns="" id="{D19549E9-C50C-F24B-9313-ABC23A8CEB74}"/>
-              </a:ext>
+              <a:ext uri="{FF2B5EF4-FFF2-40B4-BE49-F238E27FC236}"/>
             </a:extLst>
           </p:cNvPr>
           <p:cNvSpPr>
@@ -586,9 +634,7 @@
         <p:nvSpPr>
           <p:cNvPr id="3" name="Вертикальный текст 2">
             <a:extLst>
-              <a:ext uri="{FF2B5EF4-FFF2-40B4-BE49-F238E27FC236}">
-                <a16:creationId xmlns:a16="http://schemas.microsoft.com/office/drawing/2014/main" xmlns="" id="{AAF3506B-9916-4245-A8EE-1BC269CF8F2A}"/>
-              </a:ext>
+              <a:ext uri="{FF2B5EF4-FFF2-40B4-BE49-F238E27FC236}"/>
             </a:extLst>
           </p:cNvPr>
           <p:cNvSpPr>
@@ -648,9 +694,7 @@
         <p:nvSpPr>
           <p:cNvPr id="4" name="Дата 3">
             <a:extLst>
-              <a:ext uri="{FF2B5EF4-FFF2-40B4-BE49-F238E27FC236}">
-                <a16:creationId xmlns:a16="http://schemas.microsoft.com/office/drawing/2014/main" xmlns="" id="{20A3778F-892C-7240-8A2A-B89EA5B73E79}"/>
-              </a:ext>
+              <a:ext uri="{FF2B5EF4-FFF2-40B4-BE49-F238E27FC236}"/>
             </a:extLst>
           </p:cNvPr>
           <p:cNvSpPr>
@@ -663,12 +707,21 @@
         <p:spPr/>
         <p:txBody>
           <a:bodyPr/>
-          <a:lstStyle/>
-          <a:p>
-            <a:fld id="{63466F1A-B5E1-5547-8E23-9EC41017B7BA}" type="datetimeFigureOut">
-              <a:rPr lang="ru-RU" smtClean="0"/>
-              <a:pPr/>
-              <a:t>08.02.2023</a:t>
+          <a:lstStyle>
+            <a:lvl1pPr>
+              <a:defRPr/>
+            </a:lvl1pPr>
+          </a:lstStyle>
+          <a:p>
+            <a:pPr>
+              <a:defRPr/>
+            </a:pPr>
+            <a:fld id="{9A6F417C-63E1-42A7-BD6A-6AF42610607F}" type="datetimeFigureOut">
+              <a:rPr lang="ru-RU"/>
+              <a:pPr>
+                <a:defRPr/>
+              </a:pPr>
+              <a:t>19.04.2023</a:t>
             </a:fld>
             <a:endParaRPr lang="ru-RU"/>
           </a:p>
@@ -678,9 +731,7 @@
         <p:nvSpPr>
           <p:cNvPr id="5" name="Нижний колонтитул 4">
             <a:extLst>
-              <a:ext uri="{FF2B5EF4-FFF2-40B4-BE49-F238E27FC236}">
-                <a16:creationId xmlns:a16="http://schemas.microsoft.com/office/drawing/2014/main" xmlns="" id="{4FF717BF-C8EB-134C-B9D0-ED184007AA4B}"/>
-              </a:ext>
+              <a:ext uri="{FF2B5EF4-FFF2-40B4-BE49-F238E27FC236}"/>
             </a:extLst>
           </p:cNvPr>
           <p:cNvSpPr>
@@ -693,8 +744,15 @@
         <p:spPr/>
         <p:txBody>
           <a:bodyPr/>
-          <a:lstStyle/>
-          <a:p>
+          <a:lstStyle>
+            <a:lvl1pPr>
+              <a:defRPr/>
+            </a:lvl1pPr>
+          </a:lstStyle>
+          <a:p>
+            <a:pPr>
+              <a:defRPr/>
+            </a:pPr>
             <a:endParaRPr lang="ru-RU"/>
           </a:p>
         </p:txBody>
@@ -703,9 +761,7 @@
         <p:nvSpPr>
           <p:cNvPr id="6" name="Номер слайда 5">
             <a:extLst>
-              <a:ext uri="{FF2B5EF4-FFF2-40B4-BE49-F238E27FC236}">
-                <a16:creationId xmlns:a16="http://schemas.microsoft.com/office/drawing/2014/main" xmlns="" id="{1E07882A-E289-674F-BA77-CB47CED453C7}"/>
-              </a:ext>
+              <a:ext uri="{FF2B5EF4-FFF2-40B4-BE49-F238E27FC236}"/>
             </a:extLst>
           </p:cNvPr>
           <p:cNvSpPr>
@@ -718,11 +774,20 @@
         <p:spPr/>
         <p:txBody>
           <a:bodyPr/>
-          <a:lstStyle/>
-          <a:p>
-            <a:fld id="{6C2C5400-2097-1E44-88B8-0B7EF6723804}" type="slidenum">
-              <a:rPr lang="ru-RU" smtClean="0"/>
-              <a:pPr/>
+          <a:lstStyle>
+            <a:lvl1pPr>
+              <a:defRPr/>
+            </a:lvl1pPr>
+          </a:lstStyle>
+          <a:p>
+            <a:pPr>
+              <a:defRPr/>
+            </a:pPr>
+            <a:fld id="{5C5415FC-3B99-47EE-B221-79E3189F70EC}" type="slidenum">
+              <a:rPr lang="ru-RU"/>
+              <a:pPr>
+                <a:defRPr/>
+              </a:pPr>
               <a:t>‹#›</a:t>
             </a:fld>
             <a:endParaRPr lang="ru-RU"/>
@@ -730,11 +795,6 @@
         </p:txBody>
       </p:sp>
     </p:spTree>
-    <p:extLst>
-      <p:ext uri="{BB962C8B-B14F-4D97-AF65-F5344CB8AC3E}">
-        <p14:creationId xmlns:p14="http://schemas.microsoft.com/office/powerpoint/2010/main" xmlns="" val="2969496427"/>
-      </p:ext>
-    </p:extLst>
   </p:cSld>
   <p:clrMapOvr>
     <a:masterClrMapping/>
@@ -763,9 +823,7 @@
         <p:nvSpPr>
           <p:cNvPr id="2" name="Заголовок 1">
             <a:extLst>
-              <a:ext uri="{FF2B5EF4-FFF2-40B4-BE49-F238E27FC236}">
-                <a16:creationId xmlns:a16="http://schemas.microsoft.com/office/drawing/2014/main" xmlns="" id="{D2D9DB0B-D5C6-1243-A4B6-93237C4746FE}"/>
-              </a:ext>
+              <a:ext uri="{FF2B5EF4-FFF2-40B4-BE49-F238E27FC236}"/>
             </a:extLst>
           </p:cNvPr>
           <p:cNvSpPr>
@@ -791,9 +849,7 @@
         <p:nvSpPr>
           <p:cNvPr id="3" name="Объект 2">
             <a:extLst>
-              <a:ext uri="{FF2B5EF4-FFF2-40B4-BE49-F238E27FC236}">
-                <a16:creationId xmlns:a16="http://schemas.microsoft.com/office/drawing/2014/main" xmlns="" id="{17D83D22-D690-C94C-9243-62B6684B7E29}"/>
-              </a:ext>
+              <a:ext uri="{FF2B5EF4-FFF2-40B4-BE49-F238E27FC236}"/>
             </a:extLst>
           </p:cNvPr>
           <p:cNvSpPr>
@@ -848,9 +904,7 @@
         <p:nvSpPr>
           <p:cNvPr id="4" name="Дата 3">
             <a:extLst>
-              <a:ext uri="{FF2B5EF4-FFF2-40B4-BE49-F238E27FC236}">
-                <a16:creationId xmlns:a16="http://schemas.microsoft.com/office/drawing/2014/main" xmlns="" id="{E24D8A83-6CF2-B84A-B962-E89CC905F3FE}"/>
-              </a:ext>
+              <a:ext uri="{FF2B5EF4-FFF2-40B4-BE49-F238E27FC236}"/>
             </a:extLst>
           </p:cNvPr>
           <p:cNvSpPr>
@@ -863,12 +917,21 @@
         <p:spPr/>
         <p:txBody>
           <a:bodyPr/>
-          <a:lstStyle/>
-          <a:p>
-            <a:fld id="{63466F1A-B5E1-5547-8E23-9EC41017B7BA}" type="datetimeFigureOut">
-              <a:rPr lang="ru-RU" smtClean="0"/>
-              <a:pPr/>
-              <a:t>08.02.2023</a:t>
+          <a:lstStyle>
+            <a:lvl1pPr>
+              <a:defRPr/>
+            </a:lvl1pPr>
+          </a:lstStyle>
+          <a:p>
+            <a:pPr>
+              <a:defRPr/>
+            </a:pPr>
+            <a:fld id="{6ABE6456-115A-4443-A48E-55450A14F7A9}" type="datetimeFigureOut">
+              <a:rPr lang="ru-RU"/>
+              <a:pPr>
+                <a:defRPr/>
+              </a:pPr>
+              <a:t>19.04.2023</a:t>
             </a:fld>
             <a:endParaRPr lang="ru-RU"/>
           </a:p>
@@ -878,9 +941,7 @@
         <p:nvSpPr>
           <p:cNvPr id="5" name="Нижний колонтитул 4">
             <a:extLst>
-              <a:ext uri="{FF2B5EF4-FFF2-40B4-BE49-F238E27FC236}">
-                <a16:creationId xmlns:a16="http://schemas.microsoft.com/office/drawing/2014/main" xmlns="" id="{D15E0F60-3A37-7F49-9086-B9AD2C42B5A3}"/>
-              </a:ext>
+              <a:ext uri="{FF2B5EF4-FFF2-40B4-BE49-F238E27FC236}"/>
             </a:extLst>
           </p:cNvPr>
           <p:cNvSpPr>
@@ -893,8 +954,15 @@
         <p:spPr/>
         <p:txBody>
           <a:bodyPr/>
-          <a:lstStyle/>
-          <a:p>
+          <a:lstStyle>
+            <a:lvl1pPr>
+              <a:defRPr/>
+            </a:lvl1pPr>
+          </a:lstStyle>
+          <a:p>
+            <a:pPr>
+              <a:defRPr/>
+            </a:pPr>
             <a:endParaRPr lang="ru-RU"/>
           </a:p>
         </p:txBody>
@@ -903,9 +971,7 @@
         <p:nvSpPr>
           <p:cNvPr id="6" name="Номер слайда 5">
             <a:extLst>
-              <a:ext uri="{FF2B5EF4-FFF2-40B4-BE49-F238E27FC236}">
-                <a16:creationId xmlns:a16="http://schemas.microsoft.com/office/drawing/2014/main" xmlns="" id="{4C0FDD08-61E0-D642-9027-A261FCA1D7FF}"/>
-              </a:ext>
+              <a:ext uri="{FF2B5EF4-FFF2-40B4-BE49-F238E27FC236}"/>
             </a:extLst>
           </p:cNvPr>
           <p:cNvSpPr>
@@ -918,11 +984,20 @@
         <p:spPr/>
         <p:txBody>
           <a:bodyPr/>
-          <a:lstStyle/>
-          <a:p>
-            <a:fld id="{6C2C5400-2097-1E44-88B8-0B7EF6723804}" type="slidenum">
-              <a:rPr lang="ru-RU" smtClean="0"/>
-              <a:pPr/>
+          <a:lstStyle>
+            <a:lvl1pPr>
+              <a:defRPr/>
+            </a:lvl1pPr>
+          </a:lstStyle>
+          <a:p>
+            <a:pPr>
+              <a:defRPr/>
+            </a:pPr>
+            <a:fld id="{E82A65C1-3F7A-4F10-8DA1-C2F96D284F46}" type="slidenum">
+              <a:rPr lang="ru-RU"/>
+              <a:pPr>
+                <a:defRPr/>
+              </a:pPr>
               <a:t>‹#›</a:t>
             </a:fld>
             <a:endParaRPr lang="ru-RU"/>
@@ -930,11 +1005,6 @@
         </p:txBody>
       </p:sp>
     </p:spTree>
-    <p:extLst>
-      <p:ext uri="{BB962C8B-B14F-4D97-AF65-F5344CB8AC3E}">
-        <p14:creationId xmlns:p14="http://schemas.microsoft.com/office/powerpoint/2010/main" xmlns="" val="1032165156"/>
-      </p:ext>
-    </p:extLst>
   </p:cSld>
   <p:clrMapOvr>
     <a:masterClrMapping/>
@@ -963,9 +1033,7 @@
         <p:nvSpPr>
           <p:cNvPr id="2" name="Заголовок 1">
             <a:extLst>
-              <a:ext uri="{FF2B5EF4-FFF2-40B4-BE49-F238E27FC236}">
-                <a16:creationId xmlns:a16="http://schemas.microsoft.com/office/drawing/2014/main" xmlns="" id="{97489AAD-113A-2749-8A94-99A8A233631A}"/>
-              </a:ext>
+              <a:ext uri="{FF2B5EF4-FFF2-40B4-BE49-F238E27FC236}"/>
             </a:extLst>
           </p:cNvPr>
           <p:cNvSpPr>
@@ -1000,9 +1068,7 @@
         <p:nvSpPr>
           <p:cNvPr id="3" name="Текст 2">
             <a:extLst>
-              <a:ext uri="{FF2B5EF4-FFF2-40B4-BE49-F238E27FC236}">
-                <a16:creationId xmlns:a16="http://schemas.microsoft.com/office/drawing/2014/main" xmlns="" id="{1DA086F9-F851-5743-BFA9-A69144BB2444}"/>
-              </a:ext>
+              <a:ext uri="{FF2B5EF4-FFF2-40B4-BE49-F238E27FC236}"/>
             </a:extLst>
           </p:cNvPr>
           <p:cNvSpPr>
@@ -1125,9 +1191,7 @@
         <p:nvSpPr>
           <p:cNvPr id="4" name="Дата 3">
             <a:extLst>
-              <a:ext uri="{FF2B5EF4-FFF2-40B4-BE49-F238E27FC236}">
-                <a16:creationId xmlns:a16="http://schemas.microsoft.com/office/drawing/2014/main" xmlns="" id="{D07C4E0B-69C8-D340-9045-B93060E8306B}"/>
-              </a:ext>
+              <a:ext uri="{FF2B5EF4-FFF2-40B4-BE49-F238E27FC236}"/>
             </a:extLst>
           </p:cNvPr>
           <p:cNvSpPr>
@@ -1140,12 +1204,21 @@
         <p:spPr/>
         <p:txBody>
           <a:bodyPr/>
-          <a:lstStyle/>
-          <a:p>
-            <a:fld id="{63466F1A-B5E1-5547-8E23-9EC41017B7BA}" type="datetimeFigureOut">
-              <a:rPr lang="ru-RU" smtClean="0"/>
-              <a:pPr/>
-              <a:t>08.02.2023</a:t>
+          <a:lstStyle>
+            <a:lvl1pPr>
+              <a:defRPr/>
+            </a:lvl1pPr>
+          </a:lstStyle>
+          <a:p>
+            <a:pPr>
+              <a:defRPr/>
+            </a:pPr>
+            <a:fld id="{718A60E5-B23E-461D-A34F-4EF838A11194}" type="datetimeFigureOut">
+              <a:rPr lang="ru-RU"/>
+              <a:pPr>
+                <a:defRPr/>
+              </a:pPr>
+              <a:t>19.04.2023</a:t>
             </a:fld>
             <a:endParaRPr lang="ru-RU"/>
           </a:p>
@@ -1155,9 +1228,7 @@
         <p:nvSpPr>
           <p:cNvPr id="5" name="Нижний колонтитул 4">
             <a:extLst>
-              <a:ext uri="{FF2B5EF4-FFF2-40B4-BE49-F238E27FC236}">
-                <a16:creationId xmlns:a16="http://schemas.microsoft.com/office/drawing/2014/main" xmlns="" id="{9305E991-5E8D-9B47-B679-7D7B4C21ECF5}"/>
-              </a:ext>
+              <a:ext uri="{FF2B5EF4-FFF2-40B4-BE49-F238E27FC236}"/>
             </a:extLst>
           </p:cNvPr>
           <p:cNvSpPr>
@@ -1170,8 +1241,15 @@
         <p:spPr/>
         <p:txBody>
           <a:bodyPr/>
-          <a:lstStyle/>
-          <a:p>
+          <a:lstStyle>
+            <a:lvl1pPr>
+              <a:defRPr/>
+            </a:lvl1pPr>
+          </a:lstStyle>
+          <a:p>
+            <a:pPr>
+              <a:defRPr/>
+            </a:pPr>
             <a:endParaRPr lang="ru-RU"/>
           </a:p>
         </p:txBody>
@@ -1180,9 +1258,7 @@
         <p:nvSpPr>
           <p:cNvPr id="6" name="Номер слайда 5">
             <a:extLst>
-              <a:ext uri="{FF2B5EF4-FFF2-40B4-BE49-F238E27FC236}">
-                <a16:creationId xmlns:a16="http://schemas.microsoft.com/office/drawing/2014/main" xmlns="" id="{DF38FD39-9189-0342-95A6-CA9F9C5E7CEF}"/>
-              </a:ext>
+              <a:ext uri="{FF2B5EF4-FFF2-40B4-BE49-F238E27FC236}"/>
             </a:extLst>
           </p:cNvPr>
           <p:cNvSpPr>
@@ -1195,11 +1271,20 @@
         <p:spPr/>
         <p:txBody>
           <a:bodyPr/>
-          <a:lstStyle/>
-          <a:p>
-            <a:fld id="{6C2C5400-2097-1E44-88B8-0B7EF6723804}" type="slidenum">
-              <a:rPr lang="ru-RU" smtClean="0"/>
-              <a:pPr/>
+          <a:lstStyle>
+            <a:lvl1pPr>
+              <a:defRPr/>
+            </a:lvl1pPr>
+          </a:lstStyle>
+          <a:p>
+            <a:pPr>
+              <a:defRPr/>
+            </a:pPr>
+            <a:fld id="{9BE6E9CC-3492-4050-B187-A81D2636F83F}" type="slidenum">
+              <a:rPr lang="ru-RU"/>
+              <a:pPr>
+                <a:defRPr/>
+              </a:pPr>
               <a:t>‹#›</a:t>
             </a:fld>
             <a:endParaRPr lang="ru-RU"/>
@@ -1207,11 +1292,6 @@
         </p:txBody>
       </p:sp>
     </p:spTree>
-    <p:extLst>
-      <p:ext uri="{BB962C8B-B14F-4D97-AF65-F5344CB8AC3E}">
-        <p14:creationId xmlns:p14="http://schemas.microsoft.com/office/powerpoint/2010/main" xmlns="" val="1984844627"/>
-      </p:ext>
-    </p:extLst>
   </p:cSld>
   <p:clrMapOvr>
     <a:masterClrMapping/>
@@ -1240,9 +1320,7 @@
         <p:nvSpPr>
           <p:cNvPr id="2" name="Заголовок 1">
             <a:extLst>
-              <a:ext uri="{FF2B5EF4-FFF2-40B4-BE49-F238E27FC236}">
-                <a16:creationId xmlns:a16="http://schemas.microsoft.com/office/drawing/2014/main" xmlns="" id="{C06B863A-BA99-194D-A231-D85D9EAFE861}"/>
-              </a:ext>
+              <a:ext uri="{FF2B5EF4-FFF2-40B4-BE49-F238E27FC236}"/>
             </a:extLst>
           </p:cNvPr>
           <p:cNvSpPr>
@@ -1268,9 +1346,7 @@
         <p:nvSpPr>
           <p:cNvPr id="3" name="Объект 2">
             <a:extLst>
-              <a:ext uri="{FF2B5EF4-FFF2-40B4-BE49-F238E27FC236}">
-                <a16:creationId xmlns:a16="http://schemas.microsoft.com/office/drawing/2014/main" xmlns="" id="{39C7F73F-E9E8-5E41-9FB5-37059A752CBE}"/>
-              </a:ext>
+              <a:ext uri="{FF2B5EF4-FFF2-40B4-BE49-F238E27FC236}"/>
             </a:extLst>
           </p:cNvPr>
           <p:cNvSpPr>
@@ -1330,9 +1406,7 @@
         <p:nvSpPr>
           <p:cNvPr id="4" name="Объект 3">
             <a:extLst>
-              <a:ext uri="{FF2B5EF4-FFF2-40B4-BE49-F238E27FC236}">
-                <a16:creationId xmlns:a16="http://schemas.microsoft.com/office/drawing/2014/main" xmlns="" id="{5531FB08-C5EE-5349-8AB6-21B7A968FB49}"/>
-              </a:ext>
+              <a:ext uri="{FF2B5EF4-FFF2-40B4-BE49-F238E27FC236}"/>
             </a:extLst>
           </p:cNvPr>
           <p:cNvSpPr>
@@ -1390,11 +1464,9 @@
       </p:sp>
       <p:sp>
         <p:nvSpPr>
-          <p:cNvPr id="5" name="Дата 4">
-            <a:extLst>
-              <a:ext uri="{FF2B5EF4-FFF2-40B4-BE49-F238E27FC236}">
-                <a16:creationId xmlns:a16="http://schemas.microsoft.com/office/drawing/2014/main" xmlns="" id="{C4EDC4BC-C7B7-2B47-B8DA-8FC0F63BA575}"/>
-              </a:ext>
+          <p:cNvPr id="5" name="Дата 3">
+            <a:extLst>
+              <a:ext uri="{FF2B5EF4-FFF2-40B4-BE49-F238E27FC236}"/>
             </a:extLst>
           </p:cNvPr>
           <p:cNvSpPr>
@@ -1407,12 +1479,21 @@
         <p:spPr/>
         <p:txBody>
           <a:bodyPr/>
-          <a:lstStyle/>
-          <a:p>
-            <a:fld id="{63466F1A-B5E1-5547-8E23-9EC41017B7BA}" type="datetimeFigureOut">
-              <a:rPr lang="ru-RU" smtClean="0"/>
-              <a:pPr/>
-              <a:t>08.02.2023</a:t>
+          <a:lstStyle>
+            <a:lvl1pPr>
+              <a:defRPr/>
+            </a:lvl1pPr>
+          </a:lstStyle>
+          <a:p>
+            <a:pPr>
+              <a:defRPr/>
+            </a:pPr>
+            <a:fld id="{F961E934-EE73-4CE1-BD4B-E838934D29E7}" type="datetimeFigureOut">
+              <a:rPr lang="ru-RU"/>
+              <a:pPr>
+                <a:defRPr/>
+              </a:pPr>
+              <a:t>19.04.2023</a:t>
             </a:fld>
             <a:endParaRPr lang="ru-RU"/>
           </a:p>
@@ -1420,11 +1501,9 @@
       </p:sp>
       <p:sp>
         <p:nvSpPr>
-          <p:cNvPr id="6" name="Нижний колонтитул 5">
-            <a:extLst>
-              <a:ext uri="{FF2B5EF4-FFF2-40B4-BE49-F238E27FC236}">
-                <a16:creationId xmlns:a16="http://schemas.microsoft.com/office/drawing/2014/main" xmlns="" id="{210FE0EB-86E3-9C42-85CC-61EBFD7D5050}"/>
-              </a:ext>
+          <p:cNvPr id="6" name="Нижний колонтитул 4">
+            <a:extLst>
+              <a:ext uri="{FF2B5EF4-FFF2-40B4-BE49-F238E27FC236}"/>
             </a:extLst>
           </p:cNvPr>
           <p:cNvSpPr>
@@ -1437,19 +1516,24 @@
         <p:spPr/>
         <p:txBody>
           <a:bodyPr/>
-          <a:lstStyle/>
-          <a:p>
+          <a:lstStyle>
+            <a:lvl1pPr>
+              <a:defRPr/>
+            </a:lvl1pPr>
+          </a:lstStyle>
+          <a:p>
+            <a:pPr>
+              <a:defRPr/>
+            </a:pPr>
             <a:endParaRPr lang="ru-RU"/>
           </a:p>
         </p:txBody>
       </p:sp>
       <p:sp>
         <p:nvSpPr>
-          <p:cNvPr id="7" name="Номер слайда 6">
-            <a:extLst>
-              <a:ext uri="{FF2B5EF4-FFF2-40B4-BE49-F238E27FC236}">
-                <a16:creationId xmlns:a16="http://schemas.microsoft.com/office/drawing/2014/main" xmlns="" id="{B24C4A8D-517C-B643-BC77-2DE388B4D731}"/>
-              </a:ext>
+          <p:cNvPr id="7" name="Номер слайда 5">
+            <a:extLst>
+              <a:ext uri="{FF2B5EF4-FFF2-40B4-BE49-F238E27FC236}"/>
             </a:extLst>
           </p:cNvPr>
           <p:cNvSpPr>
@@ -1462,11 +1546,20 @@
         <p:spPr/>
         <p:txBody>
           <a:bodyPr/>
-          <a:lstStyle/>
-          <a:p>
-            <a:fld id="{6C2C5400-2097-1E44-88B8-0B7EF6723804}" type="slidenum">
-              <a:rPr lang="ru-RU" smtClean="0"/>
-              <a:pPr/>
+          <a:lstStyle>
+            <a:lvl1pPr>
+              <a:defRPr/>
+            </a:lvl1pPr>
+          </a:lstStyle>
+          <a:p>
+            <a:pPr>
+              <a:defRPr/>
+            </a:pPr>
+            <a:fld id="{3DCCA6DA-FB32-463B-A0B5-D7373E0CBC68}" type="slidenum">
+              <a:rPr lang="ru-RU"/>
+              <a:pPr>
+                <a:defRPr/>
+              </a:pPr>
               <a:t>‹#›</a:t>
             </a:fld>
             <a:endParaRPr lang="ru-RU"/>
@@ -1474,11 +1567,6 @@
         </p:txBody>
       </p:sp>
     </p:spTree>
-    <p:extLst>
-      <p:ext uri="{BB962C8B-B14F-4D97-AF65-F5344CB8AC3E}">
-        <p14:creationId xmlns:p14="http://schemas.microsoft.com/office/powerpoint/2010/main" xmlns="" val="62907120"/>
-      </p:ext>
-    </p:extLst>
   </p:cSld>
   <p:clrMapOvr>
     <a:masterClrMapping/>
@@ -1507,9 +1595,7 @@
         <p:nvSpPr>
           <p:cNvPr id="2" name="Заголовок 1">
             <a:extLst>
-              <a:ext uri="{FF2B5EF4-FFF2-40B4-BE49-F238E27FC236}">
-                <a16:creationId xmlns:a16="http://schemas.microsoft.com/office/drawing/2014/main" xmlns="" id="{032713A8-5DE9-C64D-A727-ED7AAF473186}"/>
-              </a:ext>
+              <a:ext uri="{FF2B5EF4-FFF2-40B4-BE49-F238E27FC236}"/>
             </a:extLst>
           </p:cNvPr>
           <p:cNvSpPr>
@@ -1540,9 +1626,7 @@
         <p:nvSpPr>
           <p:cNvPr id="3" name="Текст 2">
             <a:extLst>
-              <a:ext uri="{FF2B5EF4-FFF2-40B4-BE49-F238E27FC236}">
-                <a16:creationId xmlns:a16="http://schemas.microsoft.com/office/drawing/2014/main" xmlns="" id="{25F1F012-D016-D242-A388-E8B508F0F0F4}"/>
-              </a:ext>
+              <a:ext uri="{FF2B5EF4-FFF2-40B4-BE49-F238E27FC236}"/>
             </a:extLst>
           </p:cNvPr>
           <p:cNvSpPr>
@@ -1611,9 +1695,7 @@
         <p:nvSpPr>
           <p:cNvPr id="4" name="Объект 3">
             <a:extLst>
-              <a:ext uri="{FF2B5EF4-FFF2-40B4-BE49-F238E27FC236}">
-                <a16:creationId xmlns:a16="http://schemas.microsoft.com/office/drawing/2014/main" xmlns="" id="{0489C0FB-C75D-3B48-9B31-EDD4EE9E33B9}"/>
-              </a:ext>
+              <a:ext uri="{FF2B5EF4-FFF2-40B4-BE49-F238E27FC236}"/>
             </a:extLst>
           </p:cNvPr>
           <p:cNvSpPr>
@@ -1673,9 +1755,7 @@
         <p:nvSpPr>
           <p:cNvPr id="5" name="Текст 4">
             <a:extLst>
-              <a:ext uri="{FF2B5EF4-FFF2-40B4-BE49-F238E27FC236}">
-                <a16:creationId xmlns:a16="http://schemas.microsoft.com/office/drawing/2014/main" xmlns="" id="{3EB36F12-BDC6-3649-A487-CF55374284ED}"/>
-              </a:ext>
+              <a:ext uri="{FF2B5EF4-FFF2-40B4-BE49-F238E27FC236}"/>
             </a:extLst>
           </p:cNvPr>
           <p:cNvSpPr>
@@ -1744,9 +1824,7 @@
         <p:nvSpPr>
           <p:cNvPr id="6" name="Объект 5">
             <a:extLst>
-              <a:ext uri="{FF2B5EF4-FFF2-40B4-BE49-F238E27FC236}">
-                <a16:creationId xmlns:a16="http://schemas.microsoft.com/office/drawing/2014/main" xmlns="" id="{E7ADAAEB-1418-1B45-8118-0DB2BA639D9F}"/>
-              </a:ext>
+              <a:ext uri="{FF2B5EF4-FFF2-40B4-BE49-F238E27FC236}"/>
             </a:extLst>
           </p:cNvPr>
           <p:cNvSpPr>
@@ -1804,11 +1882,9 @@
       </p:sp>
       <p:sp>
         <p:nvSpPr>
-          <p:cNvPr id="7" name="Дата 6">
-            <a:extLst>
-              <a:ext uri="{FF2B5EF4-FFF2-40B4-BE49-F238E27FC236}">
-                <a16:creationId xmlns:a16="http://schemas.microsoft.com/office/drawing/2014/main" xmlns="" id="{0F0F54B3-D72D-994A-9C20-43AA7335C91F}"/>
-              </a:ext>
+          <p:cNvPr id="7" name="Дата 3">
+            <a:extLst>
+              <a:ext uri="{FF2B5EF4-FFF2-40B4-BE49-F238E27FC236}"/>
             </a:extLst>
           </p:cNvPr>
           <p:cNvSpPr>
@@ -1821,12 +1897,21 @@
         <p:spPr/>
         <p:txBody>
           <a:bodyPr/>
-          <a:lstStyle/>
-          <a:p>
-            <a:fld id="{63466F1A-B5E1-5547-8E23-9EC41017B7BA}" type="datetimeFigureOut">
-              <a:rPr lang="ru-RU" smtClean="0"/>
-              <a:pPr/>
-              <a:t>08.02.2023</a:t>
+          <a:lstStyle>
+            <a:lvl1pPr>
+              <a:defRPr/>
+            </a:lvl1pPr>
+          </a:lstStyle>
+          <a:p>
+            <a:pPr>
+              <a:defRPr/>
+            </a:pPr>
+            <a:fld id="{BF625C04-7550-478E-848E-62280F2BE889}" type="datetimeFigureOut">
+              <a:rPr lang="ru-RU"/>
+              <a:pPr>
+                <a:defRPr/>
+              </a:pPr>
+              <a:t>19.04.2023</a:t>
             </a:fld>
             <a:endParaRPr lang="ru-RU"/>
           </a:p>
@@ -1834,11 +1919,9 @@
       </p:sp>
       <p:sp>
         <p:nvSpPr>
-          <p:cNvPr id="8" name="Нижний колонтитул 7">
-            <a:extLst>
-              <a:ext uri="{FF2B5EF4-FFF2-40B4-BE49-F238E27FC236}">
-                <a16:creationId xmlns:a16="http://schemas.microsoft.com/office/drawing/2014/main" xmlns="" id="{CAFD995E-C022-1D46-8875-EF4F923BC5FB}"/>
-              </a:ext>
+          <p:cNvPr id="8" name="Нижний колонтитул 4">
+            <a:extLst>
+              <a:ext uri="{FF2B5EF4-FFF2-40B4-BE49-F238E27FC236}"/>
             </a:extLst>
           </p:cNvPr>
           <p:cNvSpPr>
@@ -1851,19 +1934,24 @@
         <p:spPr/>
         <p:txBody>
           <a:bodyPr/>
-          <a:lstStyle/>
-          <a:p>
+          <a:lstStyle>
+            <a:lvl1pPr>
+              <a:defRPr/>
+            </a:lvl1pPr>
+          </a:lstStyle>
+          <a:p>
+            <a:pPr>
+              <a:defRPr/>
+            </a:pPr>
             <a:endParaRPr lang="ru-RU"/>
           </a:p>
         </p:txBody>
       </p:sp>
       <p:sp>
         <p:nvSpPr>
-          <p:cNvPr id="9" name="Номер слайда 8">
-            <a:extLst>
-              <a:ext uri="{FF2B5EF4-FFF2-40B4-BE49-F238E27FC236}">
-                <a16:creationId xmlns:a16="http://schemas.microsoft.com/office/drawing/2014/main" xmlns="" id="{FB2A7237-BFF5-4F41-BF55-597C54362743}"/>
-              </a:ext>
+          <p:cNvPr id="9" name="Номер слайда 5">
+            <a:extLst>
+              <a:ext uri="{FF2B5EF4-FFF2-40B4-BE49-F238E27FC236}"/>
             </a:extLst>
           </p:cNvPr>
           <p:cNvSpPr>
@@ -1876,11 +1964,20 @@
         <p:spPr/>
         <p:txBody>
           <a:bodyPr/>
-          <a:lstStyle/>
-          <a:p>
-            <a:fld id="{6C2C5400-2097-1E44-88B8-0B7EF6723804}" type="slidenum">
-              <a:rPr lang="ru-RU" smtClean="0"/>
-              <a:pPr/>
+          <a:lstStyle>
+            <a:lvl1pPr>
+              <a:defRPr/>
+            </a:lvl1pPr>
+          </a:lstStyle>
+          <a:p>
+            <a:pPr>
+              <a:defRPr/>
+            </a:pPr>
+            <a:fld id="{97F3DC01-E97F-474C-8809-87D918F9EAB7}" type="slidenum">
+              <a:rPr lang="ru-RU"/>
+              <a:pPr>
+                <a:defRPr/>
+              </a:pPr>
               <a:t>‹#›</a:t>
             </a:fld>
             <a:endParaRPr lang="ru-RU"/>
@@ -1888,11 +1985,6 @@
         </p:txBody>
       </p:sp>
     </p:spTree>
-    <p:extLst>
-      <p:ext uri="{BB962C8B-B14F-4D97-AF65-F5344CB8AC3E}">
-        <p14:creationId xmlns:p14="http://schemas.microsoft.com/office/powerpoint/2010/main" xmlns="" val="2087704675"/>
-      </p:ext>
-    </p:extLst>
   </p:cSld>
   <p:clrMapOvr>
     <a:masterClrMapping/>
@@ -1921,9 +2013,7 @@
         <p:nvSpPr>
           <p:cNvPr id="2" name="Заголовок 1">
             <a:extLst>
-              <a:ext uri="{FF2B5EF4-FFF2-40B4-BE49-F238E27FC236}">
-                <a16:creationId xmlns:a16="http://schemas.microsoft.com/office/drawing/2014/main" xmlns="" id="{57854002-9F59-764C-828F-137010D1DADF}"/>
-              </a:ext>
+              <a:ext uri="{FF2B5EF4-FFF2-40B4-BE49-F238E27FC236}"/>
             </a:extLst>
           </p:cNvPr>
           <p:cNvSpPr>
@@ -1947,11 +2037,9 @@
       </p:sp>
       <p:sp>
         <p:nvSpPr>
-          <p:cNvPr id="3" name="Дата 2">
-            <a:extLst>
-              <a:ext uri="{FF2B5EF4-FFF2-40B4-BE49-F238E27FC236}">
-                <a16:creationId xmlns:a16="http://schemas.microsoft.com/office/drawing/2014/main" xmlns="" id="{F97824F6-6DF6-A147-88D9-5C33804095FA}"/>
-              </a:ext>
+          <p:cNvPr id="3" name="Дата 3">
+            <a:extLst>
+              <a:ext uri="{FF2B5EF4-FFF2-40B4-BE49-F238E27FC236}"/>
             </a:extLst>
           </p:cNvPr>
           <p:cNvSpPr>
@@ -1964,12 +2052,21 @@
         <p:spPr/>
         <p:txBody>
           <a:bodyPr/>
-          <a:lstStyle/>
-          <a:p>
-            <a:fld id="{63466F1A-B5E1-5547-8E23-9EC41017B7BA}" type="datetimeFigureOut">
-              <a:rPr lang="ru-RU" smtClean="0"/>
-              <a:pPr/>
-              <a:t>08.02.2023</a:t>
+          <a:lstStyle>
+            <a:lvl1pPr>
+              <a:defRPr/>
+            </a:lvl1pPr>
+          </a:lstStyle>
+          <a:p>
+            <a:pPr>
+              <a:defRPr/>
+            </a:pPr>
+            <a:fld id="{DD264255-0A6D-46D7-B71C-69012126E74E}" type="datetimeFigureOut">
+              <a:rPr lang="ru-RU"/>
+              <a:pPr>
+                <a:defRPr/>
+              </a:pPr>
+              <a:t>19.04.2023</a:t>
             </a:fld>
             <a:endParaRPr lang="ru-RU"/>
           </a:p>
@@ -1977,11 +2074,9 @@
       </p:sp>
       <p:sp>
         <p:nvSpPr>
-          <p:cNvPr id="4" name="Нижний колонтитул 3">
-            <a:extLst>
-              <a:ext uri="{FF2B5EF4-FFF2-40B4-BE49-F238E27FC236}">
-                <a16:creationId xmlns:a16="http://schemas.microsoft.com/office/drawing/2014/main" xmlns="" id="{75D313AF-ABA6-9F4B-9142-007760B2435C}"/>
-              </a:ext>
+          <p:cNvPr id="4" name="Нижний колонтитул 4">
+            <a:extLst>
+              <a:ext uri="{FF2B5EF4-FFF2-40B4-BE49-F238E27FC236}"/>
             </a:extLst>
           </p:cNvPr>
           <p:cNvSpPr>
@@ -1994,19 +2089,24 @@
         <p:spPr/>
         <p:txBody>
           <a:bodyPr/>
-          <a:lstStyle/>
-          <a:p>
+          <a:lstStyle>
+            <a:lvl1pPr>
+              <a:defRPr/>
+            </a:lvl1pPr>
+          </a:lstStyle>
+          <a:p>
+            <a:pPr>
+              <a:defRPr/>
+            </a:pPr>
             <a:endParaRPr lang="ru-RU"/>
           </a:p>
         </p:txBody>
       </p:sp>
       <p:sp>
         <p:nvSpPr>
-          <p:cNvPr id="5" name="Номер слайда 4">
-            <a:extLst>
-              <a:ext uri="{FF2B5EF4-FFF2-40B4-BE49-F238E27FC236}">
-                <a16:creationId xmlns:a16="http://schemas.microsoft.com/office/drawing/2014/main" xmlns="" id="{5AFAC3F7-CD4F-9E46-97C6-26083BEA77A0}"/>
-              </a:ext>
+          <p:cNvPr id="5" name="Номер слайда 5">
+            <a:extLst>
+              <a:ext uri="{FF2B5EF4-FFF2-40B4-BE49-F238E27FC236}"/>
             </a:extLst>
           </p:cNvPr>
           <p:cNvSpPr>
@@ -2019,11 +2119,20 @@
         <p:spPr/>
         <p:txBody>
           <a:bodyPr/>
-          <a:lstStyle/>
-          <a:p>
-            <a:fld id="{6C2C5400-2097-1E44-88B8-0B7EF6723804}" type="slidenum">
-              <a:rPr lang="ru-RU" smtClean="0"/>
-              <a:pPr/>
+          <a:lstStyle>
+            <a:lvl1pPr>
+              <a:defRPr/>
+            </a:lvl1pPr>
+          </a:lstStyle>
+          <a:p>
+            <a:pPr>
+              <a:defRPr/>
+            </a:pPr>
+            <a:fld id="{798B2DE4-F3C1-41E9-AF20-561E30BE15AD}" type="slidenum">
+              <a:rPr lang="ru-RU"/>
+              <a:pPr>
+                <a:defRPr/>
+              </a:pPr>
               <a:t>‹#›</a:t>
             </a:fld>
             <a:endParaRPr lang="ru-RU"/>
@@ -2031,11 +2140,6 @@
         </p:txBody>
       </p:sp>
     </p:spTree>
-    <p:extLst>
-      <p:ext uri="{BB962C8B-B14F-4D97-AF65-F5344CB8AC3E}">
-        <p14:creationId xmlns:p14="http://schemas.microsoft.com/office/powerpoint/2010/main" xmlns="" val="2455583977"/>
-      </p:ext>
-    </p:extLst>
   </p:cSld>
   <p:clrMapOvr>
     <a:masterClrMapping/>
@@ -2062,11 +2166,9 @@
       </p:grpSpPr>
       <p:sp>
         <p:nvSpPr>
-          <p:cNvPr id="2" name="Дата 1">
-            <a:extLst>
-              <a:ext uri="{FF2B5EF4-FFF2-40B4-BE49-F238E27FC236}">
-                <a16:creationId xmlns:a16="http://schemas.microsoft.com/office/drawing/2014/main" xmlns="" id="{9845440C-47A0-0541-929E-281D2A702C97}"/>
-              </a:ext>
+          <p:cNvPr id="2" name="Дата 3">
+            <a:extLst>
+              <a:ext uri="{FF2B5EF4-FFF2-40B4-BE49-F238E27FC236}"/>
             </a:extLst>
           </p:cNvPr>
           <p:cNvSpPr>
@@ -2079,12 +2181,21 @@
         <p:spPr/>
         <p:txBody>
           <a:bodyPr/>
-          <a:lstStyle/>
-          <a:p>
-            <a:fld id="{63466F1A-B5E1-5547-8E23-9EC41017B7BA}" type="datetimeFigureOut">
-              <a:rPr lang="ru-RU" smtClean="0"/>
-              <a:pPr/>
-              <a:t>08.02.2023</a:t>
+          <a:lstStyle>
+            <a:lvl1pPr>
+              <a:defRPr/>
+            </a:lvl1pPr>
+          </a:lstStyle>
+          <a:p>
+            <a:pPr>
+              <a:defRPr/>
+            </a:pPr>
+            <a:fld id="{DF5FFFBE-0A9C-47AF-87C0-51CDB96A81CB}" type="datetimeFigureOut">
+              <a:rPr lang="ru-RU"/>
+              <a:pPr>
+                <a:defRPr/>
+              </a:pPr>
+              <a:t>19.04.2023</a:t>
             </a:fld>
             <a:endParaRPr lang="ru-RU"/>
           </a:p>
@@ -2092,11 +2203,9 @@
       </p:sp>
       <p:sp>
         <p:nvSpPr>
-          <p:cNvPr id="3" name="Нижний колонтитул 2">
-            <a:extLst>
-              <a:ext uri="{FF2B5EF4-FFF2-40B4-BE49-F238E27FC236}">
-                <a16:creationId xmlns:a16="http://schemas.microsoft.com/office/drawing/2014/main" xmlns="" id="{BD99C0DF-FE55-EA4C-A52C-6D2F379D197C}"/>
-              </a:ext>
+          <p:cNvPr id="3" name="Нижний колонтитул 4">
+            <a:extLst>
+              <a:ext uri="{FF2B5EF4-FFF2-40B4-BE49-F238E27FC236}"/>
             </a:extLst>
           </p:cNvPr>
           <p:cNvSpPr>
@@ -2109,19 +2218,24 @@
         <p:spPr/>
         <p:txBody>
           <a:bodyPr/>
-          <a:lstStyle/>
-          <a:p>
+          <a:lstStyle>
+            <a:lvl1pPr>
+              <a:defRPr/>
+            </a:lvl1pPr>
+          </a:lstStyle>
+          <a:p>
+            <a:pPr>
+              <a:defRPr/>
+            </a:pPr>
             <a:endParaRPr lang="ru-RU"/>
           </a:p>
         </p:txBody>
       </p:sp>
       <p:sp>
         <p:nvSpPr>
-          <p:cNvPr id="4" name="Номер слайда 3">
-            <a:extLst>
-              <a:ext uri="{FF2B5EF4-FFF2-40B4-BE49-F238E27FC236}">
-                <a16:creationId xmlns:a16="http://schemas.microsoft.com/office/drawing/2014/main" xmlns="" id="{431ED825-8553-B249-AC0A-9ED7298AD333}"/>
-              </a:ext>
+          <p:cNvPr id="4" name="Номер слайда 5">
+            <a:extLst>
+              <a:ext uri="{FF2B5EF4-FFF2-40B4-BE49-F238E27FC236}"/>
             </a:extLst>
           </p:cNvPr>
           <p:cNvSpPr>
@@ -2134,11 +2248,20 @@
         <p:spPr/>
         <p:txBody>
           <a:bodyPr/>
-          <a:lstStyle/>
-          <a:p>
-            <a:fld id="{6C2C5400-2097-1E44-88B8-0B7EF6723804}" type="slidenum">
-              <a:rPr lang="ru-RU" smtClean="0"/>
-              <a:pPr/>
+          <a:lstStyle>
+            <a:lvl1pPr>
+              <a:defRPr/>
+            </a:lvl1pPr>
+          </a:lstStyle>
+          <a:p>
+            <a:pPr>
+              <a:defRPr/>
+            </a:pPr>
+            <a:fld id="{86638F9E-AFE2-4AC1-9BC0-6747F84D89E0}" type="slidenum">
+              <a:rPr lang="ru-RU"/>
+              <a:pPr>
+                <a:defRPr/>
+              </a:pPr>
               <a:t>‹#›</a:t>
             </a:fld>
             <a:endParaRPr lang="ru-RU"/>
@@ -2146,11 +2269,6 @@
         </p:txBody>
       </p:sp>
     </p:spTree>
-    <p:extLst>
-      <p:ext uri="{BB962C8B-B14F-4D97-AF65-F5344CB8AC3E}">
-        <p14:creationId xmlns:p14="http://schemas.microsoft.com/office/powerpoint/2010/main" xmlns="" val="1703504373"/>
-      </p:ext>
-    </p:extLst>
   </p:cSld>
   <p:clrMapOvr>
     <a:masterClrMapping/>
@@ -2179,9 +2297,7 @@
         <p:nvSpPr>
           <p:cNvPr id="2" name="Заголовок 1">
             <a:extLst>
-              <a:ext uri="{FF2B5EF4-FFF2-40B4-BE49-F238E27FC236}">
-                <a16:creationId xmlns:a16="http://schemas.microsoft.com/office/drawing/2014/main" xmlns="" id="{29B76622-DF61-EA41-AE62-04DD301E4EAA}"/>
-              </a:ext>
+              <a:ext uri="{FF2B5EF4-FFF2-40B4-BE49-F238E27FC236}"/>
             </a:extLst>
           </p:cNvPr>
           <p:cNvSpPr>
@@ -2216,9 +2332,7 @@
         <p:nvSpPr>
           <p:cNvPr id="3" name="Объект 2">
             <a:extLst>
-              <a:ext uri="{FF2B5EF4-FFF2-40B4-BE49-F238E27FC236}">
-                <a16:creationId xmlns:a16="http://schemas.microsoft.com/office/drawing/2014/main" xmlns="" id="{B9EAEB2E-7CE8-C343-AFCA-094167077A33}"/>
-              </a:ext>
+              <a:ext uri="{FF2B5EF4-FFF2-40B4-BE49-F238E27FC236}"/>
             </a:extLst>
           </p:cNvPr>
           <p:cNvSpPr>
@@ -2306,9 +2420,7 @@
         <p:nvSpPr>
           <p:cNvPr id="4" name="Текст 3">
             <a:extLst>
-              <a:ext uri="{FF2B5EF4-FFF2-40B4-BE49-F238E27FC236}">
-                <a16:creationId xmlns:a16="http://schemas.microsoft.com/office/drawing/2014/main" xmlns="" id="{D5EA0267-4A61-0E4B-A1B2-40EA90E2F666}"/>
-              </a:ext>
+              <a:ext uri="{FF2B5EF4-FFF2-40B4-BE49-F238E27FC236}"/>
             </a:extLst>
           </p:cNvPr>
           <p:cNvSpPr>
@@ -2375,11 +2487,9 @@
       </p:sp>
       <p:sp>
         <p:nvSpPr>
-          <p:cNvPr id="5" name="Дата 4">
-            <a:extLst>
-              <a:ext uri="{FF2B5EF4-FFF2-40B4-BE49-F238E27FC236}">
-                <a16:creationId xmlns:a16="http://schemas.microsoft.com/office/drawing/2014/main" xmlns="" id="{30103F52-0945-2E45-8E65-75AEBB3245D4}"/>
-              </a:ext>
+          <p:cNvPr id="5" name="Дата 3">
+            <a:extLst>
+              <a:ext uri="{FF2B5EF4-FFF2-40B4-BE49-F238E27FC236}"/>
             </a:extLst>
           </p:cNvPr>
           <p:cNvSpPr>
@@ -2392,12 +2502,21 @@
         <p:spPr/>
         <p:txBody>
           <a:bodyPr/>
-          <a:lstStyle/>
-          <a:p>
-            <a:fld id="{63466F1A-B5E1-5547-8E23-9EC41017B7BA}" type="datetimeFigureOut">
-              <a:rPr lang="ru-RU" smtClean="0"/>
-              <a:pPr/>
-              <a:t>08.02.2023</a:t>
+          <a:lstStyle>
+            <a:lvl1pPr>
+              <a:defRPr/>
+            </a:lvl1pPr>
+          </a:lstStyle>
+          <a:p>
+            <a:pPr>
+              <a:defRPr/>
+            </a:pPr>
+            <a:fld id="{FC610E00-D1B7-4410-B1D0-674C2389FED2}" type="datetimeFigureOut">
+              <a:rPr lang="ru-RU"/>
+              <a:pPr>
+                <a:defRPr/>
+              </a:pPr>
+              <a:t>19.04.2023</a:t>
             </a:fld>
             <a:endParaRPr lang="ru-RU"/>
           </a:p>
@@ -2405,11 +2524,9 @@
       </p:sp>
       <p:sp>
         <p:nvSpPr>
-          <p:cNvPr id="6" name="Нижний колонтитул 5">
-            <a:extLst>
-              <a:ext uri="{FF2B5EF4-FFF2-40B4-BE49-F238E27FC236}">
-                <a16:creationId xmlns:a16="http://schemas.microsoft.com/office/drawing/2014/main" xmlns="" id="{2A70F0B1-0B6A-5841-940F-BEBF0A1A3993}"/>
-              </a:ext>
+          <p:cNvPr id="6" name="Нижний колонтитул 4">
+            <a:extLst>
+              <a:ext uri="{FF2B5EF4-FFF2-40B4-BE49-F238E27FC236}"/>
             </a:extLst>
           </p:cNvPr>
           <p:cNvSpPr>
@@ -2422,19 +2539,24 @@
         <p:spPr/>
         <p:txBody>
           <a:bodyPr/>
-          <a:lstStyle/>
-          <a:p>
+          <a:lstStyle>
+            <a:lvl1pPr>
+              <a:defRPr/>
+            </a:lvl1pPr>
+          </a:lstStyle>
+          <a:p>
+            <a:pPr>
+              <a:defRPr/>
+            </a:pPr>
             <a:endParaRPr lang="ru-RU"/>
           </a:p>
         </p:txBody>
       </p:sp>
       <p:sp>
         <p:nvSpPr>
-          <p:cNvPr id="7" name="Номер слайда 6">
-            <a:extLst>
-              <a:ext uri="{FF2B5EF4-FFF2-40B4-BE49-F238E27FC236}">
-                <a16:creationId xmlns:a16="http://schemas.microsoft.com/office/drawing/2014/main" xmlns="" id="{74225AAF-5C0D-3D41-872F-6A2D3338ADF3}"/>
-              </a:ext>
+          <p:cNvPr id="7" name="Номер слайда 5">
+            <a:extLst>
+              <a:ext uri="{FF2B5EF4-FFF2-40B4-BE49-F238E27FC236}"/>
             </a:extLst>
           </p:cNvPr>
           <p:cNvSpPr>
@@ -2447,11 +2569,20 @@
         <p:spPr/>
         <p:txBody>
           <a:bodyPr/>
-          <a:lstStyle/>
-          <a:p>
-            <a:fld id="{6C2C5400-2097-1E44-88B8-0B7EF6723804}" type="slidenum">
-              <a:rPr lang="ru-RU" smtClean="0"/>
-              <a:pPr/>
+          <a:lstStyle>
+            <a:lvl1pPr>
+              <a:defRPr/>
+            </a:lvl1pPr>
+          </a:lstStyle>
+          <a:p>
+            <a:pPr>
+              <a:defRPr/>
+            </a:pPr>
+            <a:fld id="{2443D9EB-092B-491D-9E52-B2FD1C0C72E4}" type="slidenum">
+              <a:rPr lang="ru-RU"/>
+              <a:pPr>
+                <a:defRPr/>
+              </a:pPr>
               <a:t>‹#›</a:t>
             </a:fld>
             <a:endParaRPr lang="ru-RU"/>
@@ -2459,11 +2590,6 @@
         </p:txBody>
       </p:sp>
     </p:spTree>
-    <p:extLst>
-      <p:ext uri="{BB962C8B-B14F-4D97-AF65-F5344CB8AC3E}">
-        <p14:creationId xmlns:p14="http://schemas.microsoft.com/office/powerpoint/2010/main" xmlns="" val="2329464317"/>
-      </p:ext>
-    </p:extLst>
   </p:cSld>
   <p:clrMapOvr>
     <a:masterClrMapping/>
@@ -2492,9 +2618,7 @@
         <p:nvSpPr>
           <p:cNvPr id="2" name="Заголовок 1">
             <a:extLst>
-              <a:ext uri="{FF2B5EF4-FFF2-40B4-BE49-F238E27FC236}">
-                <a16:creationId xmlns:a16="http://schemas.microsoft.com/office/drawing/2014/main" xmlns="" id="{6C63EAFC-2A70-AC40-8606-8D60E3D5C8D2}"/>
-              </a:ext>
+              <a:ext uri="{FF2B5EF4-FFF2-40B4-BE49-F238E27FC236}"/>
             </a:extLst>
           </p:cNvPr>
           <p:cNvSpPr>
@@ -2529,9 +2653,7 @@
         <p:nvSpPr>
           <p:cNvPr id="3" name="Рисунок 2">
             <a:extLst>
-              <a:ext uri="{FF2B5EF4-FFF2-40B4-BE49-F238E27FC236}">
-                <a16:creationId xmlns:a16="http://schemas.microsoft.com/office/drawing/2014/main" xmlns="" id="{F44BE97C-3E12-9D46-B1DF-A2AF781183C3}"/>
-              </a:ext>
+              <a:ext uri="{FF2B5EF4-FFF2-40B4-BE49-F238E27FC236}"/>
             </a:extLst>
           </p:cNvPr>
           <p:cNvSpPr>
@@ -2548,7 +2670,9 @@
           </a:xfrm>
         </p:spPr>
         <p:txBody>
-          <a:bodyPr/>
+          <a:bodyPr rtlCol="0">
+            <a:normAutofit/>
+          </a:bodyPr>
           <a:lstStyle>
             <a:lvl1pPr marL="0" indent="0">
               <a:buNone/>
@@ -2588,7 +2712,8 @@
             </a:lvl9pPr>
           </a:lstStyle>
           <a:p>
-            <a:endParaRPr lang="ru-RU"/>
+            <a:pPr lvl="0"/>
+            <a:endParaRPr lang="ru-RU" noProof="0"/>
           </a:p>
         </p:txBody>
       </p:sp>
@@ -2596,9 +2721,7 @@
         <p:nvSpPr>
           <p:cNvPr id="4" name="Текст 3">
             <a:extLst>
-              <a:ext uri="{FF2B5EF4-FFF2-40B4-BE49-F238E27FC236}">
-                <a16:creationId xmlns:a16="http://schemas.microsoft.com/office/drawing/2014/main" xmlns="" id="{6414421C-8273-534D-9114-27DC61761532}"/>
-              </a:ext>
+              <a:ext uri="{FF2B5EF4-FFF2-40B4-BE49-F238E27FC236}"/>
             </a:extLst>
           </p:cNvPr>
           <p:cNvSpPr>
@@ -2665,11 +2788,9 @@
       </p:sp>
       <p:sp>
         <p:nvSpPr>
-          <p:cNvPr id="5" name="Дата 4">
-            <a:extLst>
-              <a:ext uri="{FF2B5EF4-FFF2-40B4-BE49-F238E27FC236}">
-                <a16:creationId xmlns:a16="http://schemas.microsoft.com/office/drawing/2014/main" xmlns="" id="{5C72589F-FEA2-1146-AD62-E80752653004}"/>
-              </a:ext>
+          <p:cNvPr id="5" name="Дата 3">
+            <a:extLst>
+              <a:ext uri="{FF2B5EF4-FFF2-40B4-BE49-F238E27FC236}"/>
             </a:extLst>
           </p:cNvPr>
           <p:cNvSpPr>
@@ -2682,12 +2803,21 @@
         <p:spPr/>
         <p:txBody>
           <a:bodyPr/>
-          <a:lstStyle/>
-          <a:p>
-            <a:fld id="{63466F1A-B5E1-5547-8E23-9EC41017B7BA}" type="datetimeFigureOut">
-              <a:rPr lang="ru-RU" smtClean="0"/>
-              <a:pPr/>
-              <a:t>08.02.2023</a:t>
+          <a:lstStyle>
+            <a:lvl1pPr>
+              <a:defRPr/>
+            </a:lvl1pPr>
+          </a:lstStyle>
+          <a:p>
+            <a:pPr>
+              <a:defRPr/>
+            </a:pPr>
+            <a:fld id="{CF8EB9F0-F469-490F-A42F-59D12F4C9CE0}" type="datetimeFigureOut">
+              <a:rPr lang="ru-RU"/>
+              <a:pPr>
+                <a:defRPr/>
+              </a:pPr>
+              <a:t>19.04.2023</a:t>
             </a:fld>
             <a:endParaRPr lang="ru-RU"/>
           </a:p>
@@ -2695,11 +2825,9 @@
       </p:sp>
       <p:sp>
         <p:nvSpPr>
-          <p:cNvPr id="6" name="Нижний колонтитул 5">
-            <a:extLst>
-              <a:ext uri="{FF2B5EF4-FFF2-40B4-BE49-F238E27FC236}">
-                <a16:creationId xmlns:a16="http://schemas.microsoft.com/office/drawing/2014/main" xmlns="" id="{5ECB3822-EA4E-4C49-A588-D1F8845F1881}"/>
-              </a:ext>
+          <p:cNvPr id="6" name="Нижний колонтитул 4">
+            <a:extLst>
+              <a:ext uri="{FF2B5EF4-FFF2-40B4-BE49-F238E27FC236}"/>
             </a:extLst>
           </p:cNvPr>
           <p:cNvSpPr>
@@ -2712,19 +2840,24 @@
         <p:spPr/>
         <p:txBody>
           <a:bodyPr/>
-          <a:lstStyle/>
-          <a:p>
+          <a:lstStyle>
+            <a:lvl1pPr>
+              <a:defRPr/>
+            </a:lvl1pPr>
+          </a:lstStyle>
+          <a:p>
+            <a:pPr>
+              <a:defRPr/>
+            </a:pPr>
             <a:endParaRPr lang="ru-RU"/>
           </a:p>
         </p:txBody>
       </p:sp>
       <p:sp>
         <p:nvSpPr>
-          <p:cNvPr id="7" name="Номер слайда 6">
-            <a:extLst>
-              <a:ext uri="{FF2B5EF4-FFF2-40B4-BE49-F238E27FC236}">
-                <a16:creationId xmlns:a16="http://schemas.microsoft.com/office/drawing/2014/main" xmlns="" id="{636FDE6D-F802-D045-8DEE-6F83D40C57E9}"/>
-              </a:ext>
+          <p:cNvPr id="7" name="Номер слайда 5">
+            <a:extLst>
+              <a:ext uri="{FF2B5EF4-FFF2-40B4-BE49-F238E27FC236}"/>
             </a:extLst>
           </p:cNvPr>
           <p:cNvSpPr>
@@ -2737,11 +2870,20 @@
         <p:spPr/>
         <p:txBody>
           <a:bodyPr/>
-          <a:lstStyle/>
-          <a:p>
-            <a:fld id="{6C2C5400-2097-1E44-88B8-0B7EF6723804}" type="slidenum">
-              <a:rPr lang="ru-RU" smtClean="0"/>
-              <a:pPr/>
+          <a:lstStyle>
+            <a:lvl1pPr>
+              <a:defRPr/>
+            </a:lvl1pPr>
+          </a:lstStyle>
+          <a:p>
+            <a:pPr>
+              <a:defRPr/>
+            </a:pPr>
+            <a:fld id="{E9784100-3836-4358-8D16-0D908CF89D31}" type="slidenum">
+              <a:rPr lang="ru-RU"/>
+              <a:pPr>
+                <a:defRPr/>
+              </a:pPr>
               <a:t>‹#›</a:t>
             </a:fld>
             <a:endParaRPr lang="ru-RU"/>
@@ -2749,11 +2891,6 @@
         </p:txBody>
       </p:sp>
     </p:spTree>
-    <p:extLst>
-      <p:ext uri="{BB962C8B-B14F-4D97-AF65-F5344CB8AC3E}">
-        <p14:creationId xmlns:p14="http://schemas.microsoft.com/office/powerpoint/2010/main" xmlns="" val="1877166414"/>
-      </p:ext>
-    </p:extLst>
   </p:cSld>
   <p:clrMapOvr>
     <a:masterClrMapping/>
@@ -2785,13 +2922,7 @@
       </p:grpSpPr>
       <p:sp>
         <p:nvSpPr>
-          <p:cNvPr id="2" name="Заголовок 1">
-            <a:extLst>
-              <a:ext uri="{FF2B5EF4-FFF2-40B4-BE49-F238E27FC236}">
-                <a16:creationId xmlns:a16="http://schemas.microsoft.com/office/drawing/2014/main" xmlns="" id="{DBFC9114-7B43-0F40-AE4C-CFFFB9F91FC7}"/>
-              </a:ext>
-            </a:extLst>
-          </p:cNvPr>
+          <p:cNvPr id="1026" name="Заголовок 1"/>
           <p:cNvSpPr>
             <a:spLocks noGrp="1"/>
           </p:cNvSpPr>
@@ -2799,7 +2930,7 @@
             <p:ph type="title"/>
           </p:nvPr>
         </p:nvSpPr>
-        <p:spPr>
+        <p:spPr bwMode="auto">
           <a:xfrm>
             <a:off x="838200" y="365125"/>
             <a:ext cx="10515600" cy="1325563"/>
@@ -2807,15 +2938,25 @@
           <a:prstGeom prst="rect">
             <a:avLst/>
           </a:prstGeom>
+          <a:noFill/>
+          <a:ln w="9525">
+            <a:noFill/>
+            <a:miter lim="800000"/>
+            <a:headEnd/>
+            <a:tailEnd/>
+          </a:ln>
         </p:spPr>
         <p:txBody>
-          <a:bodyPr vert="horz" lIns="91440" tIns="45720" rIns="91440" bIns="45720" rtlCol="0" anchor="ctr">
-            <a:normAutofit/>
+          <a:bodyPr vert="horz" wrap="square" lIns="91440" tIns="45720" rIns="91440" bIns="45720" numCol="1" anchor="ctr" anchorCtr="0" compatLnSpc="1">
+            <a:prstTxWarp prst="textNoShape">
+              <a:avLst/>
+            </a:prstTxWarp>
           </a:bodyPr>
           <a:lstStyle/>
           <a:p>
-            <a:r>
-              <a:rPr lang="ru-RU"/>
+            <a:pPr lvl="0"/>
+            <a:r>
+              <a:rPr lang="ru-RU" smtClean="0"/>
               <a:t>Образец заголовка</a:t>
             </a:r>
           </a:p>
@@ -2823,13 +2964,7 @@
       </p:sp>
       <p:sp>
         <p:nvSpPr>
-          <p:cNvPr id="3" name="Текст 2">
-            <a:extLst>
-              <a:ext uri="{FF2B5EF4-FFF2-40B4-BE49-F238E27FC236}">
-                <a16:creationId xmlns:a16="http://schemas.microsoft.com/office/drawing/2014/main" xmlns="" id="{DF45A2EE-83DA-5447-8ECF-7CBE04E5AC62}"/>
-              </a:ext>
-            </a:extLst>
-          </p:cNvPr>
+          <p:cNvPr id="1027" name="Текст 2"/>
           <p:cNvSpPr>
             <a:spLocks noGrp="1"/>
           </p:cNvSpPr>
@@ -2837,7 +2972,7 @@
             <p:ph type="body" idx="1"/>
           </p:nvPr>
         </p:nvSpPr>
-        <p:spPr>
+        <p:spPr bwMode="auto">
           <a:xfrm>
             <a:off x="838200" y="1825625"/>
             <a:ext cx="10515600" cy="4351338"/>
@@ -2845,44 +2980,53 @@
           <a:prstGeom prst="rect">
             <a:avLst/>
           </a:prstGeom>
+          <a:noFill/>
+          <a:ln w="9525">
+            <a:noFill/>
+            <a:miter lim="800000"/>
+            <a:headEnd/>
+            <a:tailEnd/>
+          </a:ln>
         </p:spPr>
         <p:txBody>
-          <a:bodyPr vert="horz" lIns="91440" tIns="45720" rIns="91440" bIns="45720" rtlCol="0">
-            <a:normAutofit/>
+          <a:bodyPr vert="horz" wrap="square" lIns="91440" tIns="45720" rIns="91440" bIns="45720" numCol="1" anchor="t" anchorCtr="0" compatLnSpc="1">
+            <a:prstTxWarp prst="textNoShape">
+              <a:avLst/>
+            </a:prstTxWarp>
           </a:bodyPr>
           <a:lstStyle/>
           <a:p>
             <a:pPr lvl="0"/>
             <a:r>
-              <a:rPr lang="ru-RU"/>
+              <a:rPr lang="ru-RU" smtClean="0"/>
               <a:t>Образец текста</a:t>
             </a:r>
           </a:p>
           <a:p>
             <a:pPr lvl="1"/>
             <a:r>
-              <a:rPr lang="ru-RU"/>
+              <a:rPr lang="ru-RU" smtClean="0"/>
               <a:t>Второй уровень</a:t>
             </a:r>
           </a:p>
           <a:p>
             <a:pPr lvl="2"/>
             <a:r>
-              <a:rPr lang="ru-RU"/>
+              <a:rPr lang="ru-RU" smtClean="0"/>
               <a:t>Третий уровень</a:t>
             </a:r>
           </a:p>
           <a:p>
             <a:pPr lvl="3"/>
             <a:r>
-              <a:rPr lang="ru-RU"/>
+              <a:rPr lang="ru-RU" smtClean="0"/>
               <a:t>Четвертый уровень</a:t>
             </a:r>
           </a:p>
           <a:p>
             <a:pPr lvl="4"/>
             <a:r>
-              <a:rPr lang="ru-RU"/>
+              <a:rPr lang="ru-RU" smtClean="0"/>
               <a:t>Пятый уровень</a:t>
             </a:r>
           </a:p>
@@ -2892,9 +3036,7 @@
         <p:nvSpPr>
           <p:cNvPr id="4" name="Дата 3">
             <a:extLst>
-              <a:ext uri="{FF2B5EF4-FFF2-40B4-BE49-F238E27FC236}">
-                <a16:creationId xmlns:a16="http://schemas.microsoft.com/office/drawing/2014/main" xmlns="" id="{810FEFA6-ADE4-544F-9A33-2C04692F0178}"/>
-              </a:ext>
+              <a:ext uri="{FF2B5EF4-FFF2-40B4-BE49-F238E27FC236}"/>
             </a:extLst>
           </p:cNvPr>
           <p:cNvSpPr>
@@ -2916,21 +3058,34 @@
         <p:txBody>
           <a:bodyPr vert="horz" lIns="91440" tIns="45720" rIns="91440" bIns="45720" rtlCol="0" anchor="ctr"/>
           <a:lstStyle>
-            <a:lvl1pPr algn="l">
-              <a:defRPr sz="1200">
+            <a:lvl1pPr algn="l" fontAlgn="auto">
+              <a:spcBef>
+                <a:spcPts val="0"/>
+              </a:spcBef>
+              <a:spcAft>
+                <a:spcPts val="0"/>
+              </a:spcAft>
+              <a:defRPr sz="1200" smtClean="0">
                 <a:solidFill>
                   <a:schemeClr val="tx1">
                     <a:tint val="75000"/>
                   </a:schemeClr>
                 </a:solidFill>
+                <a:latin typeface="+mn-lt"/>
+                <a:cs typeface="+mn-cs"/>
               </a:defRPr>
             </a:lvl1pPr>
           </a:lstStyle>
           <a:p>
-            <a:fld id="{63466F1A-B5E1-5547-8E23-9EC41017B7BA}" type="datetimeFigureOut">
-              <a:rPr lang="ru-RU" smtClean="0"/>
-              <a:pPr/>
-              <a:t>08.02.2023</a:t>
+            <a:pPr>
+              <a:defRPr/>
+            </a:pPr>
+            <a:fld id="{358EB4EE-CD5F-4F13-9CCA-361AEB0ABF88}" type="datetimeFigureOut">
+              <a:rPr lang="ru-RU"/>
+              <a:pPr>
+                <a:defRPr/>
+              </a:pPr>
+              <a:t>19.04.2023</a:t>
             </a:fld>
             <a:endParaRPr lang="ru-RU"/>
           </a:p>
@@ -2940,9 +3095,7 @@
         <p:nvSpPr>
           <p:cNvPr id="5" name="Нижний колонтитул 4">
             <a:extLst>
-              <a:ext uri="{FF2B5EF4-FFF2-40B4-BE49-F238E27FC236}">
-                <a16:creationId xmlns:a16="http://schemas.microsoft.com/office/drawing/2014/main" xmlns="" id="{B2BFB704-D225-1F47-BB2D-2F732956E599}"/>
-              </a:ext>
+              <a:ext uri="{FF2B5EF4-FFF2-40B4-BE49-F238E27FC236}"/>
             </a:extLst>
           </p:cNvPr>
           <p:cNvSpPr>
@@ -2964,17 +3117,28 @@
         <p:txBody>
           <a:bodyPr vert="horz" lIns="91440" tIns="45720" rIns="91440" bIns="45720" rtlCol="0" anchor="ctr"/>
           <a:lstStyle>
-            <a:lvl1pPr algn="ctr">
+            <a:lvl1pPr algn="ctr" fontAlgn="auto">
+              <a:spcBef>
+                <a:spcPts val="0"/>
+              </a:spcBef>
+              <a:spcAft>
+                <a:spcPts val="0"/>
+              </a:spcAft>
               <a:defRPr sz="1200">
                 <a:solidFill>
                   <a:schemeClr val="tx1">
                     <a:tint val="75000"/>
                   </a:schemeClr>
                 </a:solidFill>
+                <a:latin typeface="+mn-lt"/>
+                <a:cs typeface="+mn-cs"/>
               </a:defRPr>
             </a:lvl1pPr>
           </a:lstStyle>
           <a:p>
+            <a:pPr>
+              <a:defRPr/>
+            </a:pPr>
             <a:endParaRPr lang="ru-RU"/>
           </a:p>
         </p:txBody>
@@ -2983,9 +3147,7 @@
         <p:nvSpPr>
           <p:cNvPr id="6" name="Номер слайда 5">
             <a:extLst>
-              <a:ext uri="{FF2B5EF4-FFF2-40B4-BE49-F238E27FC236}">
-                <a16:creationId xmlns:a16="http://schemas.microsoft.com/office/drawing/2014/main" xmlns="" id="{788D17F0-2058-724C-B01E-FEF5BAB78449}"/>
-              </a:ext>
+              <a:ext uri="{FF2B5EF4-FFF2-40B4-BE49-F238E27FC236}"/>
             </a:extLst>
           </p:cNvPr>
           <p:cNvSpPr>
@@ -3007,20 +3169,33 @@
         <p:txBody>
           <a:bodyPr vert="horz" lIns="91440" tIns="45720" rIns="91440" bIns="45720" rtlCol="0" anchor="ctr"/>
           <a:lstStyle>
-            <a:lvl1pPr algn="r">
-              <a:defRPr sz="1200">
+            <a:lvl1pPr algn="r" fontAlgn="auto">
+              <a:spcBef>
+                <a:spcPts val="0"/>
+              </a:spcBef>
+              <a:spcAft>
+                <a:spcPts val="0"/>
+              </a:spcAft>
+              <a:defRPr sz="1200" smtClean="0">
                 <a:solidFill>
                   <a:schemeClr val="tx1">
                     <a:tint val="75000"/>
                   </a:schemeClr>
                 </a:solidFill>
+                <a:latin typeface="+mn-lt"/>
+                <a:cs typeface="+mn-cs"/>
               </a:defRPr>
             </a:lvl1pPr>
           </a:lstStyle>
           <a:p>
-            <a:fld id="{6C2C5400-2097-1E44-88B8-0B7EF6723804}" type="slidenum">
-              <a:rPr lang="ru-RU" smtClean="0"/>
-              <a:pPr/>
+            <a:pPr>
+              <a:defRPr/>
+            </a:pPr>
+            <a:fld id="{15DD67E9-3962-48B1-AEA6-D0AD69206080}" type="slidenum">
+              <a:rPr lang="ru-RU"/>
+              <a:pPr>
+                <a:defRPr/>
+              </a:pPr>
               <a:t>‹#›</a:t>
             </a:fld>
             <a:endParaRPr lang="ru-RU"/>
@@ -3028,36 +3203,33 @@
         </p:txBody>
       </p:sp>
     </p:spTree>
-    <p:extLst>
-      <p:ext uri="{BB962C8B-B14F-4D97-AF65-F5344CB8AC3E}">
-        <p14:creationId xmlns:p14="http://schemas.microsoft.com/office/powerpoint/2010/main" xmlns="" val="4161783687"/>
-      </p:ext>
-    </p:extLst>
   </p:cSld>
   <p:clrMap bg1="lt1" tx1="dk1" bg2="lt2" tx2="dk2" accent1="accent1" accent2="accent2" accent3="accent3" accent4="accent4" accent5="accent5" accent6="accent6" hlink="hlink" folHlink="folHlink"/>
   <p:sldLayoutIdLst>
-    <p:sldLayoutId id="2147483649" r:id="rId1"/>
-    <p:sldLayoutId id="2147483650" r:id="rId2"/>
-    <p:sldLayoutId id="2147483651" r:id="rId3"/>
-    <p:sldLayoutId id="2147483652" r:id="rId4"/>
-    <p:sldLayoutId id="2147483653" r:id="rId5"/>
+    <p:sldLayoutId id="2147483659" r:id="rId1"/>
+    <p:sldLayoutId id="2147483658" r:id="rId2"/>
+    <p:sldLayoutId id="2147483657" r:id="rId3"/>
+    <p:sldLayoutId id="2147483656" r:id="rId4"/>
+    <p:sldLayoutId id="2147483655" r:id="rId5"/>
     <p:sldLayoutId id="2147483654" r:id="rId6"/>
-    <p:sldLayoutId id="2147483655" r:id="rId7"/>
-    <p:sldLayoutId id="2147483656" r:id="rId8"/>
-    <p:sldLayoutId id="2147483657" r:id="rId9"/>
-    <p:sldLayoutId id="2147483658" r:id="rId10"/>
-    <p:sldLayoutId id="2147483659" r:id="rId11"/>
+    <p:sldLayoutId id="2147483653" r:id="rId7"/>
+    <p:sldLayoutId id="2147483652" r:id="rId8"/>
+    <p:sldLayoutId id="2147483651" r:id="rId9"/>
+    <p:sldLayoutId id="2147483650" r:id="rId10"/>
+    <p:sldLayoutId id="2147483649" r:id="rId11"/>
   </p:sldLayoutIdLst>
   <p:txStyles>
     <p:titleStyle>
-      <a:lvl1pPr algn="l" defTabSz="914400" rtl="0" eaLnBrk="1" latinLnBrk="0" hangingPunct="1">
+      <a:lvl1pPr algn="l" rtl="0" fontAlgn="base">
         <a:lnSpc>
           <a:spcPct val="90000"/>
         </a:lnSpc>
         <a:spcBef>
           <a:spcPct val="0"/>
         </a:spcBef>
-        <a:buNone/>
+        <a:spcAft>
+          <a:spcPct val="0"/>
+        </a:spcAft>
         <a:defRPr sz="4400" kern="1200">
           <a:solidFill>
             <a:schemeClr val="tx1"/>
@@ -3067,16 +3239,155 @@
           <a:cs typeface="+mj-cs"/>
         </a:defRPr>
       </a:lvl1pPr>
+      <a:lvl2pPr algn="l" rtl="0" fontAlgn="base">
+        <a:lnSpc>
+          <a:spcPct val="90000"/>
+        </a:lnSpc>
+        <a:spcBef>
+          <a:spcPct val="0"/>
+        </a:spcBef>
+        <a:spcAft>
+          <a:spcPct val="0"/>
+        </a:spcAft>
+        <a:defRPr sz="4400">
+          <a:solidFill>
+            <a:schemeClr val="tx1"/>
+          </a:solidFill>
+          <a:latin typeface="Calibri Light" pitchFamily="34" charset="0"/>
+        </a:defRPr>
+      </a:lvl2pPr>
+      <a:lvl3pPr algn="l" rtl="0" fontAlgn="base">
+        <a:lnSpc>
+          <a:spcPct val="90000"/>
+        </a:lnSpc>
+        <a:spcBef>
+          <a:spcPct val="0"/>
+        </a:spcBef>
+        <a:spcAft>
+          <a:spcPct val="0"/>
+        </a:spcAft>
+        <a:defRPr sz="4400">
+          <a:solidFill>
+            <a:schemeClr val="tx1"/>
+          </a:solidFill>
+          <a:latin typeface="Calibri Light" pitchFamily="34" charset="0"/>
+        </a:defRPr>
+      </a:lvl3pPr>
+      <a:lvl4pPr algn="l" rtl="0" fontAlgn="base">
+        <a:lnSpc>
+          <a:spcPct val="90000"/>
+        </a:lnSpc>
+        <a:spcBef>
+          <a:spcPct val="0"/>
+        </a:spcBef>
+        <a:spcAft>
+          <a:spcPct val="0"/>
+        </a:spcAft>
+        <a:defRPr sz="4400">
+          <a:solidFill>
+            <a:schemeClr val="tx1"/>
+          </a:solidFill>
+          <a:latin typeface="Calibri Light" pitchFamily="34" charset="0"/>
+        </a:defRPr>
+      </a:lvl4pPr>
+      <a:lvl5pPr algn="l" rtl="0" fontAlgn="base">
+        <a:lnSpc>
+          <a:spcPct val="90000"/>
+        </a:lnSpc>
+        <a:spcBef>
+          <a:spcPct val="0"/>
+        </a:spcBef>
+        <a:spcAft>
+          <a:spcPct val="0"/>
+        </a:spcAft>
+        <a:defRPr sz="4400">
+          <a:solidFill>
+            <a:schemeClr val="tx1"/>
+          </a:solidFill>
+          <a:latin typeface="Calibri Light" pitchFamily="34" charset="0"/>
+        </a:defRPr>
+      </a:lvl5pPr>
+      <a:lvl6pPr marL="457200" algn="l" rtl="0" fontAlgn="base">
+        <a:lnSpc>
+          <a:spcPct val="90000"/>
+        </a:lnSpc>
+        <a:spcBef>
+          <a:spcPct val="0"/>
+        </a:spcBef>
+        <a:spcAft>
+          <a:spcPct val="0"/>
+        </a:spcAft>
+        <a:defRPr sz="4400">
+          <a:solidFill>
+            <a:schemeClr val="tx1"/>
+          </a:solidFill>
+          <a:latin typeface="Calibri Light" pitchFamily="34" charset="0"/>
+        </a:defRPr>
+      </a:lvl6pPr>
+      <a:lvl7pPr marL="914400" algn="l" rtl="0" fontAlgn="base">
+        <a:lnSpc>
+          <a:spcPct val="90000"/>
+        </a:lnSpc>
+        <a:spcBef>
+          <a:spcPct val="0"/>
+        </a:spcBef>
+        <a:spcAft>
+          <a:spcPct val="0"/>
+        </a:spcAft>
+        <a:defRPr sz="4400">
+          <a:solidFill>
+            <a:schemeClr val="tx1"/>
+          </a:solidFill>
+          <a:latin typeface="Calibri Light" pitchFamily="34" charset="0"/>
+        </a:defRPr>
+      </a:lvl7pPr>
+      <a:lvl8pPr marL="1371600" algn="l" rtl="0" fontAlgn="base">
+        <a:lnSpc>
+          <a:spcPct val="90000"/>
+        </a:lnSpc>
+        <a:spcBef>
+          <a:spcPct val="0"/>
+        </a:spcBef>
+        <a:spcAft>
+          <a:spcPct val="0"/>
+        </a:spcAft>
+        <a:defRPr sz="4400">
+          <a:solidFill>
+            <a:schemeClr val="tx1"/>
+          </a:solidFill>
+          <a:latin typeface="Calibri Light" pitchFamily="34" charset="0"/>
+        </a:defRPr>
+      </a:lvl8pPr>
+      <a:lvl9pPr marL="1828800" algn="l" rtl="0" fontAlgn="base">
+        <a:lnSpc>
+          <a:spcPct val="90000"/>
+        </a:lnSpc>
+        <a:spcBef>
+          <a:spcPct val="0"/>
+        </a:spcBef>
+        <a:spcAft>
+          <a:spcPct val="0"/>
+        </a:spcAft>
+        <a:defRPr sz="4400">
+          <a:solidFill>
+            <a:schemeClr val="tx1"/>
+          </a:solidFill>
+          <a:latin typeface="Calibri Light" pitchFamily="34" charset="0"/>
+        </a:defRPr>
+      </a:lvl9pPr>
     </p:titleStyle>
     <p:bodyStyle>
-      <a:lvl1pPr marL="228600" indent="-228600" algn="l" defTabSz="914400" rtl="0" eaLnBrk="1" latinLnBrk="0" hangingPunct="1">
+      <a:lvl1pPr marL="228600" indent="-228600" algn="l" rtl="0" fontAlgn="base">
         <a:lnSpc>
           <a:spcPct val="90000"/>
         </a:lnSpc>
         <a:spcBef>
           <a:spcPts val="1000"/>
         </a:spcBef>
-        <a:buFont typeface="Arial" panose="020B0604020202020204" pitchFamily="34" charset="0"/>
+        <a:spcAft>
+          <a:spcPct val="0"/>
+        </a:spcAft>
+        <a:buFont typeface="Arial" charset="0"/>
         <a:buChar char="•"/>
         <a:defRPr sz="2800" kern="1200">
           <a:solidFill>
@@ -3087,14 +3398,17 @@
           <a:cs typeface="+mn-cs"/>
         </a:defRPr>
       </a:lvl1pPr>
-      <a:lvl2pPr marL="685800" indent="-228600" algn="l" defTabSz="914400" rtl="0" eaLnBrk="1" latinLnBrk="0" hangingPunct="1">
+      <a:lvl2pPr marL="685800" indent="-228600" algn="l" rtl="0" fontAlgn="base">
         <a:lnSpc>
           <a:spcPct val="90000"/>
         </a:lnSpc>
         <a:spcBef>
           <a:spcPts val="500"/>
         </a:spcBef>
-        <a:buFont typeface="Arial" panose="020B0604020202020204" pitchFamily="34" charset="0"/>
+        <a:spcAft>
+          <a:spcPct val="0"/>
+        </a:spcAft>
+        <a:buFont typeface="Arial" charset="0"/>
         <a:buChar char="•"/>
         <a:defRPr sz="2400" kern="1200">
           <a:solidFill>
@@ -3105,14 +3419,17 @@
           <a:cs typeface="+mn-cs"/>
         </a:defRPr>
       </a:lvl2pPr>
-      <a:lvl3pPr marL="1143000" indent="-228600" algn="l" defTabSz="914400" rtl="0" eaLnBrk="1" latinLnBrk="0" hangingPunct="1">
+      <a:lvl3pPr marL="1143000" indent="-228600" algn="l" rtl="0" fontAlgn="base">
         <a:lnSpc>
           <a:spcPct val="90000"/>
         </a:lnSpc>
         <a:spcBef>
           <a:spcPts val="500"/>
         </a:spcBef>
-        <a:buFont typeface="Arial" panose="020B0604020202020204" pitchFamily="34" charset="0"/>
+        <a:spcAft>
+          <a:spcPct val="0"/>
+        </a:spcAft>
+        <a:buFont typeface="Arial" charset="0"/>
         <a:buChar char="•"/>
         <a:defRPr sz="2000" kern="1200">
           <a:solidFill>
@@ -3123,16 +3440,19 @@
           <a:cs typeface="+mn-cs"/>
         </a:defRPr>
       </a:lvl3pPr>
-      <a:lvl4pPr marL="1600200" indent="-228600" algn="l" defTabSz="914400" rtl="0" eaLnBrk="1" latinLnBrk="0" hangingPunct="1">
+      <a:lvl4pPr marL="1600200" indent="-228600" algn="l" rtl="0" fontAlgn="base">
         <a:lnSpc>
           <a:spcPct val="90000"/>
         </a:lnSpc>
         <a:spcBef>
           <a:spcPts val="500"/>
         </a:spcBef>
-        <a:buFont typeface="Arial" panose="020B0604020202020204" pitchFamily="34" charset="0"/>
+        <a:spcAft>
+          <a:spcPct val="0"/>
+        </a:spcAft>
+        <a:buFont typeface="Arial" charset="0"/>
         <a:buChar char="•"/>
-        <a:defRPr sz="1800" kern="1200">
+        <a:defRPr kern="1200">
           <a:solidFill>
             <a:schemeClr val="tx1"/>
           </a:solidFill>
@@ -3141,16 +3461,19 @@
           <a:cs typeface="+mn-cs"/>
         </a:defRPr>
       </a:lvl4pPr>
-      <a:lvl5pPr marL="2057400" indent="-228600" algn="l" defTabSz="914400" rtl="0" eaLnBrk="1" latinLnBrk="0" hangingPunct="1">
+      <a:lvl5pPr marL="2057400" indent="-228600" algn="l" rtl="0" fontAlgn="base">
         <a:lnSpc>
           <a:spcPct val="90000"/>
         </a:lnSpc>
         <a:spcBef>
           <a:spcPts val="500"/>
         </a:spcBef>
-        <a:buFont typeface="Arial" panose="020B0604020202020204" pitchFamily="34" charset="0"/>
+        <a:spcAft>
+          <a:spcPct val="0"/>
+        </a:spcAft>
+        <a:buFont typeface="Arial" charset="0"/>
         <a:buChar char="•"/>
-        <a:defRPr sz="1800" kern="1200">
+        <a:defRPr kern="1200">
           <a:solidFill>
             <a:schemeClr val="tx1"/>
           </a:solidFill>
@@ -3350,13 +3673,7 @@
       </p:grpSpPr>
       <p:sp>
         <p:nvSpPr>
-          <p:cNvPr id="2" name="Заголовок 1">
-            <a:extLst>
-              <a:ext uri="{FF2B5EF4-FFF2-40B4-BE49-F238E27FC236}">
-                <a16:creationId xmlns:a16="http://schemas.microsoft.com/office/drawing/2014/main" xmlns="" id="{1E454EE8-81F8-D649-B632-D7F299F36BDF}"/>
-              </a:ext>
-            </a:extLst>
-          </p:cNvPr>
+          <p:cNvPr id="13313" name="Заголовок 1"/>
           <p:cNvSpPr>
             <a:spLocks noGrp="1"/>
           </p:cNvSpPr>
@@ -3370,7 +3687,7 @@
           <a:lstStyle/>
           <a:p>
             <a:r>
-              <a:rPr lang="ru-RU"/>
+              <a:rPr lang="ru-RU" smtClean="0"/>
               <a:t>Round and bits</a:t>
             </a:r>
           </a:p>
@@ -3378,7 +3695,7 @@
       </p:sp>
       <p:sp>
         <p:nvSpPr>
-          <p:cNvPr id="4" name="Подзаголовок 3"/>
+          <p:cNvPr id="13314" name="Подзаголовок 3"/>
           <p:cNvSpPr>
             <a:spLocks noGrp="1"/>
           </p:cNvSpPr>
@@ -3391,16 +3708,11 @@
           <a:bodyPr/>
           <a:lstStyle/>
           <a:p>
-            <a:endParaRPr lang="ru-RU"/>
+            <a:endParaRPr lang="ru-RU" smtClean="0"/>
           </a:p>
         </p:txBody>
       </p:sp>
     </p:spTree>
-    <p:extLst>
-      <p:ext uri="{BB962C8B-B14F-4D97-AF65-F5344CB8AC3E}">
-        <p14:creationId xmlns:p14="http://schemas.microsoft.com/office/powerpoint/2010/main" xmlns="" val="2155368554"/>
-      </p:ext>
-    </p:extLst>
   </p:cSld>
   <p:clrMapOvr>
     <a:masterClrMapping/>
@@ -3427,13 +3739,7 @@
       </p:grpSpPr>
       <p:sp>
         <p:nvSpPr>
-          <p:cNvPr id="2" name="Заголовок 1">
-            <a:extLst>
-              <a:ext uri="{FF2B5EF4-FFF2-40B4-BE49-F238E27FC236}">
-                <a16:creationId xmlns:a16="http://schemas.microsoft.com/office/drawing/2014/main" xmlns="" id="{F9FECF08-C45F-1A4E-959C-56F77FCCA902}"/>
-              </a:ext>
-            </a:extLst>
-          </p:cNvPr>
+          <p:cNvPr id="14337" name="Заголовок 1"/>
           <p:cNvSpPr>
             <a:spLocks noGrp="1"/>
           </p:cNvSpPr>
@@ -3447,7 +3753,7 @@
           <a:lstStyle/>
           <a:p>
             <a:r>
-              <a:rPr lang="ru-RU"/>
+              <a:rPr lang="ru-RU" smtClean="0"/>
               <a:t>Введение:</a:t>
             </a:r>
           </a:p>
@@ -3455,13 +3761,7 @@
       </p:sp>
       <p:sp>
         <p:nvSpPr>
-          <p:cNvPr id="3" name="Объект 2">
-            <a:extLst>
-              <a:ext uri="{FF2B5EF4-FFF2-40B4-BE49-F238E27FC236}">
-                <a16:creationId xmlns:a16="http://schemas.microsoft.com/office/drawing/2014/main" xmlns="" id="{6ED9AB0E-347E-5241-9BC8-9EFFE898D173}"/>
-              </a:ext>
-            </a:extLst>
-          </p:cNvPr>
+          <p:cNvPr id="14338" name="Объект 2"/>
           <p:cNvSpPr>
             <a:spLocks noGrp="1"/>
           </p:cNvSpPr>
@@ -3475,87 +3775,58 @@
           <a:lstStyle/>
           <a:p>
             <a:pPr>
+              <a:buFont typeface="Arial" charset="0"/>
               <a:buNone/>
             </a:pPr>
             <a:r>
-              <a:rPr lang="ru-RU" dirty="0"/>
-              <a:t>Идея: написать игру, завязанную на ритме</a:t>
-            </a:r>
-            <a:r>
-              <a:rPr lang="ru-RU" dirty="0" smtClean="0"/>
-              <a:t>.</a:t>
-            </a:r>
-            <a:endParaRPr lang="ru-RU" dirty="0"/>
+              <a:rPr lang="ru-RU" smtClean="0"/>
+              <a:t>Идея: написать игру, завязанную на ритме.</a:t>
+            </a:r>
           </a:p>
           <a:p>
             <a:pPr>
+              <a:buFont typeface="Arial" charset="0"/>
               <a:buNone/>
             </a:pPr>
             <a:r>
-              <a:rPr lang="ru-RU" dirty="0" smtClean="0"/>
-              <a:t>Особенности игры</a:t>
-            </a:r>
-            <a:r>
-              <a:rPr lang="ru-RU" dirty="0"/>
-              <a:t>: </a:t>
-            </a:r>
-            <a:endParaRPr lang="ru-RU" dirty="0" smtClean="0"/>
-          </a:p>
-          <a:p>
-            <a:r>
-              <a:rPr lang="ru-RU" dirty="0" smtClean="0"/>
-              <a:t>1) движение </a:t>
-            </a:r>
-            <a:r>
-              <a:rPr lang="ru-RU" dirty="0"/>
-              <a:t>игрока, исключительно в такт музыки. </a:t>
-            </a:r>
-            <a:endParaRPr lang="ru-RU" dirty="0" smtClean="0"/>
-          </a:p>
-          <a:p>
-            <a:r>
-              <a:rPr lang="ru-RU" dirty="0" smtClean="0"/>
-              <a:t>2)</a:t>
-            </a:r>
-            <a:r>
-              <a:rPr lang="ru-RU" dirty="0" smtClean="0"/>
-              <a:t>Возможность </a:t>
-            </a:r>
-            <a:r>
-              <a:rPr lang="ru-RU" dirty="0"/>
-              <a:t>загружать свою музыку</a:t>
-            </a:r>
-            <a:r>
-              <a:rPr lang="ru-RU" dirty="0" smtClean="0"/>
-              <a:t>.</a:t>
-            </a:r>
-          </a:p>
-          <a:p>
-            <a:r>
-              <a:rPr lang="ru-RU" dirty="0" smtClean="0"/>
+              <a:rPr lang="ru-RU" smtClean="0"/>
+              <a:t>Особенности игры: </a:t>
+            </a:r>
+          </a:p>
+          <a:p>
+            <a:r>
+              <a:rPr lang="ru-RU" smtClean="0"/>
+              <a:t>1) движение игрока, исключительно в такт музыки. </a:t>
+            </a:r>
+          </a:p>
+          <a:p>
+            <a:r>
+              <a:rPr lang="ru-RU" smtClean="0"/>
+              <a:t>2)Возможность загружать свою музыку.</a:t>
+            </a:r>
+          </a:p>
+          <a:p>
+            <a:r>
+              <a:rPr lang="ru-RU" smtClean="0"/>
               <a:t>3)Рейтинг</a:t>
             </a:r>
           </a:p>
           <a:p>
             <a:r>
-              <a:rPr lang="ru-RU" dirty="0" smtClean="0"/>
+              <a:rPr lang="ru-RU" smtClean="0"/>
               <a:t>4)Секретные уровни</a:t>
             </a:r>
           </a:p>
           <a:p>
             <a:pPr>
+              <a:buFont typeface="Arial" charset="0"/>
               <a:buNone/>
             </a:pPr>
-            <a:endParaRPr lang="ru-RU" dirty="0"/>
+            <a:endParaRPr lang="ru-RU" smtClean="0"/>
           </a:p>
         </p:txBody>
       </p:sp>
     </p:spTree>
-    <p:extLst>
-      <p:ext uri="{BB962C8B-B14F-4D97-AF65-F5344CB8AC3E}">
-        <p14:creationId xmlns:p14="http://schemas.microsoft.com/office/powerpoint/2010/main" xmlns="" val="1964465954"/>
-      </p:ext>
-    </p:extLst>
   </p:cSld>
   <p:clrMapOvr>
     <a:masterClrMapping/>
@@ -3582,13 +3853,7 @@
       </p:grpSpPr>
       <p:sp>
         <p:nvSpPr>
-          <p:cNvPr id="2" name="Заголовок 1">
-            <a:extLst>
-              <a:ext uri="{FF2B5EF4-FFF2-40B4-BE49-F238E27FC236}">
-                <a16:creationId xmlns:a16="http://schemas.microsoft.com/office/drawing/2014/main" xmlns="" id="{E6ACEB31-024C-3C48-B2D5-772D1140B8DC}"/>
-              </a:ext>
-            </a:extLst>
-          </p:cNvPr>
+          <p:cNvPr id="15361" name="Заголовок 1"/>
           <p:cNvSpPr>
             <a:spLocks noGrp="1"/>
           </p:cNvSpPr>
@@ -3602,7 +3867,7 @@
           <a:lstStyle/>
           <a:p>
             <a:r>
-              <a:rPr lang="ru-RU"/>
+              <a:rPr lang="ru-RU" smtClean="0"/>
               <a:t>Описание реализации</a:t>
             </a:r>
           </a:p>
@@ -3610,13 +3875,7 @@
       </p:sp>
       <p:sp>
         <p:nvSpPr>
-          <p:cNvPr id="3" name="Объект 2">
-            <a:extLst>
-              <a:ext uri="{FF2B5EF4-FFF2-40B4-BE49-F238E27FC236}">
-                <a16:creationId xmlns:a16="http://schemas.microsoft.com/office/drawing/2014/main" xmlns="" id="{569832EE-6EED-A943-AE5C-A010979A668A}"/>
-              </a:ext>
-            </a:extLst>
-          </p:cNvPr>
+          <p:cNvPr id="15362" name="Объект 2"/>
           <p:cNvSpPr>
             <a:spLocks noGrp="1"/>
           </p:cNvSpPr>
@@ -3630,54 +3889,25 @@
           <a:lstStyle/>
           <a:p>
             <a:pPr>
+              <a:buFont typeface="Arial" charset="0"/>
               <a:buNone/>
             </a:pPr>
             <a:r>
-              <a:rPr lang="ru-RU" dirty="0" smtClean="0"/>
+              <a:rPr lang="ru-RU" smtClean="0"/>
               <a:t>	</a:t>
             </a:r>
             <a:r>
-              <a:rPr lang="en-US" dirty="0" smtClean="0"/>
+              <a:rPr lang="en-US" smtClean="0"/>
               <a:t>L</a:t>
             </a:r>
             <a:r>
-              <a:rPr lang="ru-RU" dirty="0" err="1"/>
-              <a:t>ibrosa</a:t>
-            </a:r>
-            <a:r>
-              <a:rPr lang="ru-RU" dirty="0"/>
-              <a:t> создаёт массив битов, основываясь на которых идёт сам </a:t>
-            </a:r>
-            <a:r>
-              <a:rPr lang="ru-RU" dirty="0" err="1" smtClean="0"/>
-              <a:t>геймплей</a:t>
-            </a:r>
-            <a:r>
-              <a:rPr lang="ru-RU" dirty="0" smtClean="0"/>
-              <a:t> </a:t>
-            </a:r>
-            <a:r>
-              <a:rPr lang="ru-RU" dirty="0"/>
-              <a:t>игры. </a:t>
-            </a:r>
-            <a:r>
-              <a:rPr lang="ru-RU" dirty="0" smtClean="0"/>
-              <a:t>Игроку нужно продержаться на арене </a:t>
-            </a:r>
-            <a:r>
-              <a:rPr lang="ru-RU" dirty="0" smtClean="0"/>
-              <a:t>с боссом до конца трека, избегая снарядов.</a:t>
-            </a:r>
-            <a:endParaRPr lang="ru-RU" dirty="0"/>
+              <a:rPr lang="ru-RU" smtClean="0"/>
+              <a:t>ibrosa создаёт массив битов, основываясь на которых идёт сам геймплей игры. Игроку нужно продержаться на арене с боссом до конца трека, избегая снарядов.</a:t>
+            </a:r>
           </a:p>
         </p:txBody>
       </p:sp>
     </p:spTree>
-    <p:extLst>
-      <p:ext uri="{BB962C8B-B14F-4D97-AF65-F5344CB8AC3E}">
-        <p14:creationId xmlns:p14="http://schemas.microsoft.com/office/powerpoint/2010/main" xmlns="" val="1095779716"/>
-      </p:ext>
-    </p:extLst>
   </p:cSld>
   <p:clrMapOvr>
     <a:masterClrMapping/>
@@ -3704,13 +3934,7 @@
       </p:grpSpPr>
       <p:sp>
         <p:nvSpPr>
-          <p:cNvPr id="2" name="Заголовок 1">
-            <a:extLst>
-              <a:ext uri="{FF2B5EF4-FFF2-40B4-BE49-F238E27FC236}">
-                <a16:creationId xmlns:a16="http://schemas.microsoft.com/office/drawing/2014/main" xmlns="" id="{EB39E448-A20A-D348-9061-E76CBCB5659E}"/>
-              </a:ext>
-            </a:extLst>
-          </p:cNvPr>
+          <p:cNvPr id="16385" name="Заголовок 1"/>
           <p:cNvSpPr>
             <a:spLocks noGrp="1"/>
           </p:cNvSpPr>
@@ -3724,26 +3948,15 @@
           <a:lstStyle/>
           <a:p>
             <a:r>
-              <a:rPr lang="ru-RU" dirty="0"/>
-              <a:t>Идеи </a:t>
-            </a:r>
-            <a:r>
-              <a:rPr lang="ru-RU" dirty="0" smtClean="0"/>
-              <a:t>доработки:</a:t>
-            </a:r>
-            <a:endParaRPr lang="ru-RU" dirty="0"/>
-          </a:p>
-        </p:txBody>
-      </p:sp>
-      <p:sp>
-        <p:nvSpPr>
-          <p:cNvPr id="5" name="Объект 2">
-            <a:extLst>
-              <a:ext uri="{FF2B5EF4-FFF2-40B4-BE49-F238E27FC236}">
-                <a16:creationId xmlns:a16="http://schemas.microsoft.com/office/drawing/2014/main" xmlns="" id="{6ED9AB0E-347E-5241-9BC8-9EFFE898D173}"/>
-              </a:ext>
-            </a:extLst>
-          </p:cNvPr>
+              <a:rPr lang="ru-RU" smtClean="0"/>
+              <a:t>Идеи доработки:</a:t>
+            </a:r>
+          </a:p>
+        </p:txBody>
+      </p:sp>
+      <p:sp>
+        <p:nvSpPr>
+          <p:cNvPr id="16386" name="Объект 2"/>
           <p:cNvSpPr>
             <a:spLocks noGrp="1"/>
           </p:cNvSpPr>
@@ -3754,7 +3967,7 @@
         <p:spPr>
           <a:xfrm>
             <a:off x="685800" y="1600200"/>
-            <a:ext cx="10515600" cy="4351338"/>
+            <a:ext cx="10515600" cy="4876800"/>
           </a:xfrm>
         </p:spPr>
         <p:txBody>
@@ -3762,59 +3975,49 @@
           <a:lstStyle/>
           <a:p>
             <a:r>
-              <a:rPr lang="ru-RU" dirty="0" smtClean="0"/>
+              <a:rPr lang="ru-RU" smtClean="0"/>
               <a:t>Добавление большего количества спецэффектов.</a:t>
             </a:r>
-            <a:endParaRPr lang="ru-RU" dirty="0" smtClean="0"/>
-          </a:p>
-          <a:p>
-            <a:r>
-              <a:rPr lang="ru-RU" dirty="0" smtClean="0"/>
+          </a:p>
+          <a:p>
+            <a:r>
+              <a:rPr lang="ru-RU" smtClean="0"/>
               <a:t>Новые атаки боссов.</a:t>
             </a:r>
-            <a:endParaRPr lang="ru-RU" dirty="0" smtClean="0"/>
-          </a:p>
-          <a:p>
-            <a:r>
-              <a:rPr lang="ru-RU" dirty="0" smtClean="0"/>
+          </a:p>
+          <a:p>
+            <a:r>
+              <a:rPr lang="ru-RU" smtClean="0"/>
               <a:t>Выбор персонажей(у каждого были бы свои особенности)</a:t>
             </a:r>
           </a:p>
           <a:p>
             <a:r>
-              <a:rPr lang="ru-RU" dirty="0" smtClean="0"/>
+              <a:rPr lang="ru-RU" smtClean="0"/>
               <a:t>Удобный загрузчик музыки.</a:t>
             </a:r>
           </a:p>
           <a:p>
             <a:r>
-              <a:rPr lang="ru-RU" dirty="0" smtClean="0"/>
-              <a:t>Появление «неприятностей» во время игры(инвертированное управление, темнота, двойной урон, заглушка музыки, ускорение музыки и </a:t>
-            </a:r>
-            <a:r>
-              <a:rPr lang="ru-RU" dirty="0" err="1" smtClean="0"/>
-              <a:t>т.д</a:t>
-            </a:r>
-            <a:r>
-              <a:rPr lang="ru-RU" dirty="0" smtClean="0"/>
-              <a:t>)</a:t>
-            </a:r>
-            <a:endParaRPr lang="ru-RU" dirty="0" smtClean="0"/>
-          </a:p>
-          <a:p>
-            <a:pPr>
-              <a:buNone/>
-            </a:pPr>
-            <a:endParaRPr lang="ru-RU" dirty="0"/>
+              <a:rPr lang="ru-RU" smtClean="0"/>
+              <a:t>Появление «неприятностей» во время игры(инвертированное управление, темнота, двойной урон, заглушка музыки, ускорение музыки и т.д)</a:t>
+            </a:r>
+          </a:p>
+          <a:p>
+            <a:r>
+              <a:rPr lang="ru-RU" smtClean="0"/>
+              <a:t>Переписать код на библиотеку Pyglet (в угоду оптимизации)</a:t>
+            </a:r>
+          </a:p>
+          <a:p>
+            <a:r>
+              <a:rPr lang="ru-RU" smtClean="0"/>
+              <a:t>Сделать игру более плавной (в идеале добавить вертикальную синхронизацию(это позволяет сделать Pyglet))</a:t>
+            </a:r>
           </a:p>
         </p:txBody>
       </p:sp>
     </p:spTree>
-    <p:extLst>
-      <p:ext uri="{BB962C8B-B14F-4D97-AF65-F5344CB8AC3E}">
-        <p14:creationId xmlns:p14="http://schemas.microsoft.com/office/powerpoint/2010/main" xmlns="" val="3800048174"/>
-      </p:ext>
-    </p:extLst>
   </p:cSld>
   <p:clrMapOvr>
     <a:masterClrMapping/>
